--- a/dynamic-graph/slides/2nd-dynamic-graph-problem-solving.pptx
+++ b/dynamic-graph/slides/2nd-dynamic-graph-problem-solving.pptx
@@ -5,12 +5,17 @@
     <p:sldMasterId id="2147483648" r:id="rId1"/>
   </p:sldMasterIdLst>
   <p:notesMasterIdLst>
-    <p:notesMasterId r:id="rId5"/>
+    <p:notesMasterId r:id="rId10"/>
   </p:notesMasterIdLst>
   <p:sldIdLst>
     <p:sldId id="257" r:id="rId2"/>
     <p:sldId id="261" r:id="rId3"/>
-    <p:sldId id="269" r:id="rId4"/>
+    <p:sldId id="272" r:id="rId4"/>
+    <p:sldId id="273" r:id="rId5"/>
+    <p:sldId id="271" r:id="rId6"/>
+    <p:sldId id="276" r:id="rId7"/>
+    <p:sldId id="275" r:id="rId8"/>
+    <p:sldId id="269" r:id="rId9"/>
   </p:sldIdLst>
   <p:sldSz cx="12192000" cy="6858000"/>
   <p:notesSz cx="6858000" cy="9144000"/>
@@ -210,7 +215,7 @@
           <a:p>
             <a:fld id="{6375F963-BD8D-48E7-8422-CB1BF5D2C9BE}" type="datetimeFigureOut">
               <a:rPr lang="ko-KR" altLang="en-US" smtClean="0"/>
-              <a:t>2018-10-07</a:t>
+              <a:t>2018. 10. 8.</a:t>
             </a:fld>
             <a:endParaRPr lang="ko-KR" altLang="en-US"/>
           </a:p>
@@ -542,7 +547,7 @@
           <a:p>
             <a:fld id="{6594DF6C-BF38-4307-BF1B-8846C5E3F520}" type="slidenum">
               <a:rPr lang="ko-KR" altLang="en-US" smtClean="0"/>
-              <a:t>3</a:t>
+              <a:t>8</a:t>
             </a:fld>
             <a:endParaRPr lang="ko-KR" altLang="en-US"/>
           </a:p>
@@ -708,7 +713,7 @@
           <a:p>
             <a:fld id="{1EC1DB32-FA3F-4CCC-82B4-BBC529886D3C}" type="datetimeFigureOut">
               <a:rPr lang="ko-KR" altLang="en-US" smtClean="0"/>
-              <a:t>2018-10-07</a:t>
+              <a:t>2018. 10. 8.</a:t>
             </a:fld>
             <a:endParaRPr lang="ko-KR" altLang="en-US"/>
           </a:p>
@@ -906,7 +911,7 @@
           <a:p>
             <a:fld id="{1EC1DB32-FA3F-4CCC-82B4-BBC529886D3C}" type="datetimeFigureOut">
               <a:rPr lang="ko-KR" altLang="en-US" smtClean="0"/>
-              <a:t>2018-10-07</a:t>
+              <a:t>2018. 10. 8.</a:t>
             </a:fld>
             <a:endParaRPr lang="ko-KR" altLang="en-US"/>
           </a:p>
@@ -1114,7 +1119,7 @@
           <a:p>
             <a:fld id="{1EC1DB32-FA3F-4CCC-82B4-BBC529886D3C}" type="datetimeFigureOut">
               <a:rPr lang="ko-KR" altLang="en-US" smtClean="0"/>
-              <a:t>2018-10-07</a:t>
+              <a:t>2018. 10. 8.</a:t>
             </a:fld>
             <a:endParaRPr lang="ko-KR" altLang="en-US"/>
           </a:p>
@@ -1312,7 +1317,7 @@
           <a:p>
             <a:fld id="{1EC1DB32-FA3F-4CCC-82B4-BBC529886D3C}" type="datetimeFigureOut">
               <a:rPr lang="ko-KR" altLang="en-US" smtClean="0"/>
-              <a:t>2018-10-07</a:t>
+              <a:t>2018. 10. 8.</a:t>
             </a:fld>
             <a:endParaRPr lang="ko-KR" altLang="en-US"/>
           </a:p>
@@ -1587,7 +1592,7 @@
           <a:p>
             <a:fld id="{1EC1DB32-FA3F-4CCC-82B4-BBC529886D3C}" type="datetimeFigureOut">
               <a:rPr lang="ko-KR" altLang="en-US" smtClean="0"/>
-              <a:t>2018-10-07</a:t>
+              <a:t>2018. 10. 8.</a:t>
             </a:fld>
             <a:endParaRPr lang="ko-KR" altLang="en-US"/>
           </a:p>
@@ -1852,7 +1857,7 @@
           <a:p>
             <a:fld id="{1EC1DB32-FA3F-4CCC-82B4-BBC529886D3C}" type="datetimeFigureOut">
               <a:rPr lang="ko-KR" altLang="en-US" smtClean="0"/>
-              <a:t>2018-10-07</a:t>
+              <a:t>2018. 10. 8.</a:t>
             </a:fld>
             <a:endParaRPr lang="ko-KR" altLang="en-US"/>
           </a:p>
@@ -2264,7 +2269,7 @@
           <a:p>
             <a:fld id="{1EC1DB32-FA3F-4CCC-82B4-BBC529886D3C}" type="datetimeFigureOut">
               <a:rPr lang="ko-KR" altLang="en-US" smtClean="0"/>
-              <a:t>2018-10-07</a:t>
+              <a:t>2018. 10. 8.</a:t>
             </a:fld>
             <a:endParaRPr lang="ko-KR" altLang="en-US"/>
           </a:p>
@@ -2405,7 +2410,7 @@
           <a:p>
             <a:fld id="{1EC1DB32-FA3F-4CCC-82B4-BBC529886D3C}" type="datetimeFigureOut">
               <a:rPr lang="ko-KR" altLang="en-US" smtClean="0"/>
-              <a:t>2018-10-07</a:t>
+              <a:t>2018. 10. 8.</a:t>
             </a:fld>
             <a:endParaRPr lang="ko-KR" altLang="en-US"/>
           </a:p>
@@ -2518,7 +2523,7 @@
           <a:p>
             <a:fld id="{1EC1DB32-FA3F-4CCC-82B4-BBC529886D3C}" type="datetimeFigureOut">
               <a:rPr lang="ko-KR" altLang="en-US" smtClean="0"/>
-              <a:t>2018-10-07</a:t>
+              <a:t>2018. 10. 8.</a:t>
             </a:fld>
             <a:endParaRPr lang="ko-KR" altLang="en-US"/>
           </a:p>
@@ -2829,7 +2834,7 @@
           <a:p>
             <a:fld id="{1EC1DB32-FA3F-4CCC-82B4-BBC529886D3C}" type="datetimeFigureOut">
               <a:rPr lang="ko-KR" altLang="en-US" smtClean="0"/>
-              <a:t>2018-10-07</a:t>
+              <a:t>2018. 10. 8.</a:t>
             </a:fld>
             <a:endParaRPr lang="ko-KR" altLang="en-US"/>
           </a:p>
@@ -3117,7 +3122,7 @@
           <a:p>
             <a:fld id="{1EC1DB32-FA3F-4CCC-82B4-BBC529886D3C}" type="datetimeFigureOut">
               <a:rPr lang="ko-KR" altLang="en-US" smtClean="0"/>
-              <a:t>2018-10-07</a:t>
+              <a:t>2018. 10. 8.</a:t>
             </a:fld>
             <a:endParaRPr lang="ko-KR" altLang="en-US"/>
           </a:p>
@@ -3358,7 +3363,7 @@
           <a:p>
             <a:fld id="{1EC1DB32-FA3F-4CCC-82B4-BBC529886D3C}" type="datetimeFigureOut">
               <a:rPr lang="ko-KR" altLang="en-US" smtClean="0"/>
-              <a:t>2018-10-07</a:t>
+              <a:t>2018. 10. 8.</a:t>
             </a:fld>
             <a:endParaRPr lang="ko-KR" altLang="en-US"/>
           </a:p>
@@ -4397,8 +4402,8 @@
         </p:nvSpPr>
         <p:spPr>
           <a:xfrm>
-            <a:off x="923026" y="1709738"/>
-            <a:ext cx="10424424" cy="2499953"/>
+            <a:off x="838200" y="365125"/>
+            <a:ext cx="10515600" cy="625475"/>
           </a:xfrm>
         </p:spPr>
         <p:txBody>
@@ -4413,7 +4418,7 @@
                 <a:latin typeface="helvetica" panose="020B0604020202020204" pitchFamily="34" charset="0"/>
                 <a:cs typeface="helvetica" panose="020B0604020202020204" pitchFamily="34" charset="0"/>
               </a:rPr>
-              <a:t>Data Driven</a:t>
+              <a:t>Recap</a:t>
             </a:r>
             <a:endParaRPr lang="ko-KR" altLang="en-US" dirty="0">
               <a:solidFill>
@@ -4439,7 +4444,7 @@
         </p:nvSpPr>
         <p:spPr>
           <a:xfrm>
-            <a:off x="1052512" y="4088920"/>
+            <a:off x="959378" y="933765"/>
             <a:ext cx="1569243" cy="56835"/>
           </a:xfrm>
           <a:prstGeom prst="rect">
@@ -4480,6 +4485,392 @@
           </a:p>
         </p:txBody>
       </p:sp>
+      <p:sp>
+        <p:nvSpPr>
+          <p:cNvPr id="8" name="내용 개체 틀 2">
+            <a:extLst>
+              <a:ext uri="{FF2B5EF4-FFF2-40B4-BE49-F238E27FC236}">
+                <a16:creationId xmlns:a16="http://schemas.microsoft.com/office/drawing/2014/main" id="{26442834-95E7-D14F-AEBB-E8D9BE435876}"/>
+              </a:ext>
+            </a:extLst>
+          </p:cNvPr>
+          <p:cNvSpPr txBox="1">
+            <a:spLocks/>
+          </p:cNvSpPr>
+          <p:nvPr/>
+        </p:nvSpPr>
+        <p:spPr>
+          <a:xfrm>
+            <a:off x="6867731" y="2236520"/>
+            <a:ext cx="3981449" cy="2748493"/>
+          </a:xfrm>
+          <a:prstGeom prst="rect">
+            <a:avLst/>
+          </a:prstGeom>
+        </p:spPr>
+        <p:txBody>
+          <a:bodyPr anchor="ctr"/>
+          <a:lstStyle>
+            <a:lvl1pPr marL="228600" indent="-228600" algn="l" defTabSz="914400" rtl="0" eaLnBrk="1" latinLnBrk="1" hangingPunct="1">
+              <a:lnSpc>
+                <a:spcPct val="90000"/>
+              </a:lnSpc>
+              <a:spcBef>
+                <a:spcPts val="1000"/>
+              </a:spcBef>
+              <a:buFont typeface="Arial" panose="020B0604020202020204" pitchFamily="34" charset="0"/>
+              <a:buChar char="•"/>
+              <a:defRPr sz="2800" kern="1200">
+                <a:solidFill>
+                  <a:schemeClr val="tx1"/>
+                </a:solidFill>
+                <a:latin typeface="+mn-lt"/>
+                <a:ea typeface="+mn-ea"/>
+                <a:cs typeface="+mn-cs"/>
+              </a:defRPr>
+            </a:lvl1pPr>
+            <a:lvl2pPr marL="685800" indent="-228600" algn="l" defTabSz="914400" rtl="0" eaLnBrk="1" latinLnBrk="1" hangingPunct="1">
+              <a:lnSpc>
+                <a:spcPct val="90000"/>
+              </a:lnSpc>
+              <a:spcBef>
+                <a:spcPts val="500"/>
+              </a:spcBef>
+              <a:buFont typeface="Arial" panose="020B0604020202020204" pitchFamily="34" charset="0"/>
+              <a:buChar char="•"/>
+              <a:defRPr sz="2400" kern="1200">
+                <a:solidFill>
+                  <a:schemeClr val="tx1"/>
+                </a:solidFill>
+                <a:latin typeface="+mn-lt"/>
+                <a:ea typeface="+mn-ea"/>
+                <a:cs typeface="+mn-cs"/>
+              </a:defRPr>
+            </a:lvl2pPr>
+            <a:lvl3pPr marL="1143000" indent="-228600" algn="l" defTabSz="914400" rtl="0" eaLnBrk="1" latinLnBrk="1" hangingPunct="1">
+              <a:lnSpc>
+                <a:spcPct val="90000"/>
+              </a:lnSpc>
+              <a:spcBef>
+                <a:spcPts val="500"/>
+              </a:spcBef>
+              <a:buFont typeface="Arial" panose="020B0604020202020204" pitchFamily="34" charset="0"/>
+              <a:buChar char="•"/>
+              <a:defRPr sz="2000" kern="1200">
+                <a:solidFill>
+                  <a:schemeClr val="tx1"/>
+                </a:solidFill>
+                <a:latin typeface="+mn-lt"/>
+                <a:ea typeface="+mn-ea"/>
+                <a:cs typeface="+mn-cs"/>
+              </a:defRPr>
+            </a:lvl3pPr>
+            <a:lvl4pPr marL="1600200" indent="-228600" algn="l" defTabSz="914400" rtl="0" eaLnBrk="1" latinLnBrk="1" hangingPunct="1">
+              <a:lnSpc>
+                <a:spcPct val="90000"/>
+              </a:lnSpc>
+              <a:spcBef>
+                <a:spcPts val="500"/>
+              </a:spcBef>
+              <a:buFont typeface="Arial" panose="020B0604020202020204" pitchFamily="34" charset="0"/>
+              <a:buChar char="•"/>
+              <a:defRPr sz="1800" kern="1200">
+                <a:solidFill>
+                  <a:schemeClr val="tx1"/>
+                </a:solidFill>
+                <a:latin typeface="+mn-lt"/>
+                <a:ea typeface="+mn-ea"/>
+                <a:cs typeface="+mn-cs"/>
+              </a:defRPr>
+            </a:lvl4pPr>
+            <a:lvl5pPr marL="2057400" indent="-228600" algn="l" defTabSz="914400" rtl="0" eaLnBrk="1" latinLnBrk="1" hangingPunct="1">
+              <a:lnSpc>
+                <a:spcPct val="90000"/>
+              </a:lnSpc>
+              <a:spcBef>
+                <a:spcPts val="500"/>
+              </a:spcBef>
+              <a:buFont typeface="Arial" panose="020B0604020202020204" pitchFamily="34" charset="0"/>
+              <a:buChar char="•"/>
+              <a:defRPr sz="1800" kern="1200">
+                <a:solidFill>
+                  <a:schemeClr val="tx1"/>
+                </a:solidFill>
+                <a:latin typeface="+mn-lt"/>
+                <a:ea typeface="+mn-ea"/>
+                <a:cs typeface="+mn-cs"/>
+              </a:defRPr>
+            </a:lvl5pPr>
+            <a:lvl6pPr marL="2514600" indent="-228600" algn="l" defTabSz="914400" rtl="0" eaLnBrk="1" latinLnBrk="1" hangingPunct="1">
+              <a:lnSpc>
+                <a:spcPct val="90000"/>
+              </a:lnSpc>
+              <a:spcBef>
+                <a:spcPts val="500"/>
+              </a:spcBef>
+              <a:buFont typeface="Arial" panose="020B0604020202020204" pitchFamily="34" charset="0"/>
+              <a:buChar char="•"/>
+              <a:defRPr sz="1800" kern="1200">
+                <a:solidFill>
+                  <a:schemeClr val="tx1"/>
+                </a:solidFill>
+                <a:latin typeface="+mn-lt"/>
+                <a:ea typeface="+mn-ea"/>
+                <a:cs typeface="+mn-cs"/>
+              </a:defRPr>
+            </a:lvl6pPr>
+            <a:lvl7pPr marL="2971800" indent="-228600" algn="l" defTabSz="914400" rtl="0" eaLnBrk="1" latinLnBrk="1" hangingPunct="1">
+              <a:lnSpc>
+                <a:spcPct val="90000"/>
+              </a:lnSpc>
+              <a:spcBef>
+                <a:spcPts val="500"/>
+              </a:spcBef>
+              <a:buFont typeface="Arial" panose="020B0604020202020204" pitchFamily="34" charset="0"/>
+              <a:buChar char="•"/>
+              <a:defRPr sz="1800" kern="1200">
+                <a:solidFill>
+                  <a:schemeClr val="tx1"/>
+                </a:solidFill>
+                <a:latin typeface="+mn-lt"/>
+                <a:ea typeface="+mn-ea"/>
+                <a:cs typeface="+mn-cs"/>
+              </a:defRPr>
+            </a:lvl7pPr>
+            <a:lvl8pPr marL="3429000" indent="-228600" algn="l" defTabSz="914400" rtl="0" eaLnBrk="1" latinLnBrk="1" hangingPunct="1">
+              <a:lnSpc>
+                <a:spcPct val="90000"/>
+              </a:lnSpc>
+              <a:spcBef>
+                <a:spcPts val="500"/>
+              </a:spcBef>
+              <a:buFont typeface="Arial" panose="020B0604020202020204" pitchFamily="34" charset="0"/>
+              <a:buChar char="•"/>
+              <a:defRPr sz="1800" kern="1200">
+                <a:solidFill>
+                  <a:schemeClr val="tx1"/>
+                </a:solidFill>
+                <a:latin typeface="+mn-lt"/>
+                <a:ea typeface="+mn-ea"/>
+                <a:cs typeface="+mn-cs"/>
+              </a:defRPr>
+            </a:lvl8pPr>
+            <a:lvl9pPr marL="3886200" indent="-228600" algn="l" defTabSz="914400" rtl="0" eaLnBrk="1" latinLnBrk="1" hangingPunct="1">
+              <a:lnSpc>
+                <a:spcPct val="90000"/>
+              </a:lnSpc>
+              <a:spcBef>
+                <a:spcPts val="500"/>
+              </a:spcBef>
+              <a:buFont typeface="Arial" panose="020B0604020202020204" pitchFamily="34" charset="0"/>
+              <a:buChar char="•"/>
+              <a:defRPr sz="1800" kern="1200">
+                <a:solidFill>
+                  <a:schemeClr val="tx1"/>
+                </a:solidFill>
+                <a:latin typeface="+mn-lt"/>
+                <a:ea typeface="+mn-ea"/>
+                <a:cs typeface="+mn-cs"/>
+              </a:defRPr>
+            </a:lvl9pPr>
+          </a:lstStyle>
+          <a:p>
+            <a:r>
+              <a:rPr lang="en-US" altLang="ko-KR" dirty="0">
+                <a:solidFill>
+                  <a:schemeClr val="bg1"/>
+                </a:solidFill>
+                <a:latin typeface="helvetica" panose="020B0604020202020204" pitchFamily="34" charset="0"/>
+                <a:cs typeface="helvetica" panose="020B0604020202020204" pitchFamily="34" charset="0"/>
+              </a:rPr>
+              <a:t>Odds</a:t>
+            </a:r>
+          </a:p>
+          <a:p>
+            <a:r>
+              <a:rPr lang="en-US" altLang="ko-KR" dirty="0">
+                <a:solidFill>
+                  <a:schemeClr val="bg1"/>
+                </a:solidFill>
+                <a:latin typeface="helvetica" panose="020B0604020202020204" pitchFamily="34" charset="0"/>
+                <a:cs typeface="helvetica" panose="020B0604020202020204" pitchFamily="34" charset="0"/>
+              </a:rPr>
+              <a:t>No connection</a:t>
+            </a:r>
+          </a:p>
+          <a:p>
+            <a:r>
+              <a:rPr lang="en-US" altLang="ko-KR" dirty="0">
+                <a:solidFill>
+                  <a:schemeClr val="bg1"/>
+                </a:solidFill>
+                <a:latin typeface="helvetica" panose="020B0604020202020204" pitchFamily="34" charset="0"/>
+                <a:cs typeface="helvetica" panose="020B0604020202020204" pitchFamily="34" charset="0"/>
+              </a:rPr>
+              <a:t>Counter team</a:t>
+            </a:r>
+          </a:p>
+          <a:p>
+            <a:r>
+              <a:rPr lang="en-US" altLang="ko-KR" dirty="0">
+                <a:solidFill>
+                  <a:schemeClr val="bg1"/>
+                </a:solidFill>
+                <a:latin typeface="helvetica" panose="020B0604020202020204" pitchFamily="34" charset="0"/>
+                <a:cs typeface="helvetica" panose="020B0604020202020204" pitchFamily="34" charset="0"/>
+              </a:rPr>
+              <a:t>Warmonger</a:t>
+            </a:r>
+          </a:p>
+          <a:p>
+            <a:r>
+              <a:rPr lang="en-US" altLang="ko-KR" dirty="0">
+                <a:solidFill>
+                  <a:schemeClr val="bg1"/>
+                </a:solidFill>
+                <a:latin typeface="helvetica" panose="020B0604020202020204" pitchFamily="34" charset="0"/>
+                <a:cs typeface="helvetica" panose="020B0604020202020204" pitchFamily="34" charset="0"/>
+              </a:rPr>
+              <a:t>Pacifist</a:t>
+            </a:r>
+            <a:endParaRPr lang="ko-KR" altLang="en-US" dirty="0">
+              <a:solidFill>
+                <a:schemeClr val="bg1"/>
+              </a:solidFill>
+              <a:latin typeface="helvetica" panose="020B0604020202020204" pitchFamily="34" charset="0"/>
+              <a:cs typeface="helvetica" panose="020B0604020202020204" pitchFamily="34" charset="0"/>
+            </a:endParaRPr>
+          </a:p>
+        </p:txBody>
+      </p:sp>
+      <p:pic>
+        <p:nvPicPr>
+          <p:cNvPr id="9" name="그림 8">
+            <a:extLst>
+              <a:ext uri="{FF2B5EF4-FFF2-40B4-BE49-F238E27FC236}">
+                <a16:creationId xmlns:a16="http://schemas.microsoft.com/office/drawing/2014/main" id="{6DBDF2CB-7EE5-0341-BC26-AF249CD32C85}"/>
+              </a:ext>
+            </a:extLst>
+          </p:cNvPr>
+          <p:cNvPicPr>
+            <a:picLocks noChangeAspect="1"/>
+          </p:cNvPicPr>
+          <p:nvPr/>
+        </p:nvPicPr>
+        <p:blipFill>
+          <a:blip r:embed="rId2">
+            <a:extLst>
+              <a:ext uri="{28A0092B-C50C-407E-A947-70E740481C1C}">
+                <a14:useLocalDpi xmlns:a14="http://schemas.microsoft.com/office/drawing/2010/main" val="0"/>
+              </a:ext>
+            </a:extLst>
+          </a:blip>
+          <a:stretch>
+            <a:fillRect/>
+          </a:stretch>
+        </p:blipFill>
+        <p:spPr>
+          <a:xfrm>
+            <a:off x="711570" y="2514796"/>
+            <a:ext cx="4740164" cy="1828408"/>
+          </a:xfrm>
+          <a:prstGeom prst="rect">
+            <a:avLst/>
+          </a:prstGeom>
+        </p:spPr>
+      </p:pic>
+      <p:sp>
+        <p:nvSpPr>
+          <p:cNvPr id="5" name="TextBox 4">
+            <a:extLst>
+              <a:ext uri="{FF2B5EF4-FFF2-40B4-BE49-F238E27FC236}">
+                <a16:creationId xmlns:a16="http://schemas.microsoft.com/office/drawing/2014/main" id="{A164749C-FFDD-7C4B-A7A3-F100A1835A6F}"/>
+              </a:ext>
+            </a:extLst>
+          </p:cNvPr>
+          <p:cNvSpPr txBox="1"/>
+          <p:nvPr/>
+        </p:nvSpPr>
+        <p:spPr>
+          <a:xfrm>
+            <a:off x="838200" y="1559240"/>
+            <a:ext cx="3725411" cy="523220"/>
+          </a:xfrm>
+          <a:prstGeom prst="rect">
+            <a:avLst/>
+          </a:prstGeom>
+          <a:noFill/>
+        </p:spPr>
+        <p:txBody>
+          <a:bodyPr wrap="square" rtlCol="0">
+            <a:spAutoFit/>
+          </a:bodyPr>
+          <a:lstStyle/>
+          <a:p>
+            <a:r>
+              <a:rPr kumimoji="1" lang="en-US" altLang="ko-KR" sz="2800" b="1" dirty="0">
+                <a:solidFill>
+                  <a:schemeClr val="bg1"/>
+                </a:solidFill>
+                <a:latin typeface="Helvetica" pitchFamily="2" charset="0"/>
+              </a:rPr>
+              <a:t>Topic</a:t>
+            </a:r>
+            <a:endParaRPr kumimoji="1" lang="ko-KR" altLang="en-US" sz="2800" b="1" dirty="0">
+              <a:solidFill>
+                <a:schemeClr val="bg1"/>
+              </a:solidFill>
+              <a:latin typeface="Helvetica" pitchFamily="2" charset="0"/>
+            </a:endParaRPr>
+          </a:p>
+        </p:txBody>
+      </p:sp>
+      <p:sp>
+        <p:nvSpPr>
+          <p:cNvPr id="10" name="TextBox 9">
+            <a:extLst>
+              <a:ext uri="{FF2B5EF4-FFF2-40B4-BE49-F238E27FC236}">
+                <a16:creationId xmlns:a16="http://schemas.microsoft.com/office/drawing/2014/main" id="{B053029C-38D6-E14F-9E2E-197C983FAD1D}"/>
+              </a:ext>
+            </a:extLst>
+          </p:cNvPr>
+          <p:cNvSpPr txBox="1"/>
+          <p:nvPr/>
+        </p:nvSpPr>
+        <p:spPr>
+          <a:xfrm>
+            <a:off x="6844719" y="1559240"/>
+            <a:ext cx="3725411" cy="523220"/>
+          </a:xfrm>
+          <a:prstGeom prst="rect">
+            <a:avLst/>
+          </a:prstGeom>
+          <a:noFill/>
+        </p:spPr>
+        <p:txBody>
+          <a:bodyPr wrap="square" rtlCol="0">
+            <a:spAutoFit/>
+          </a:bodyPr>
+          <a:lstStyle/>
+          <a:p>
+            <a:r>
+              <a:rPr kumimoji="1" lang="en-US" altLang="ko-KR" sz="2800" b="1" dirty="0">
+                <a:solidFill>
+                  <a:schemeClr val="bg1"/>
+                </a:solidFill>
+                <a:latin typeface="Helvetica" pitchFamily="2" charset="0"/>
+              </a:rPr>
+              <a:t>Metrics</a:t>
+            </a:r>
+            <a:endParaRPr kumimoji="1" lang="ko-KR" altLang="en-US" sz="2800" b="1" dirty="0">
+              <a:solidFill>
+                <a:schemeClr val="bg1"/>
+              </a:solidFill>
+              <a:latin typeface="Helvetica" pitchFamily="2" charset="0"/>
+            </a:endParaRPr>
+          </a:p>
+        </p:txBody>
+      </p:sp>
     </p:spTree>
     <p:extLst>
       <p:ext uri="{BB962C8B-B14F-4D97-AF65-F5344CB8AC3E}">
@@ -4494,6 +4885,1262 @@
 </file>
 
 <file path=ppt/slides/slide3.xml><?xml version="1.0" encoding="utf-8"?>
+<p:sld xmlns:a="http://schemas.openxmlformats.org/drawingml/2006/main" xmlns:r="http://schemas.openxmlformats.org/officeDocument/2006/relationships" xmlns:p="http://schemas.openxmlformats.org/presentationml/2006/main">
+  <p:cSld>
+    <p:spTree>
+      <p:nvGrpSpPr>
+        <p:cNvPr id="1" name=""/>
+        <p:cNvGrpSpPr/>
+        <p:nvPr/>
+      </p:nvGrpSpPr>
+      <p:grpSpPr>
+        <a:xfrm>
+          <a:off x="0" y="0"/>
+          <a:ext cx="0" cy="0"/>
+          <a:chOff x="0" y="0"/>
+          <a:chExt cx="0" cy="0"/>
+        </a:xfrm>
+      </p:grpSpPr>
+      <p:sp>
+        <p:nvSpPr>
+          <p:cNvPr id="6" name="직사각형 5">
+            <a:extLst>
+              <a:ext uri="{FF2B5EF4-FFF2-40B4-BE49-F238E27FC236}">
+                <a16:creationId xmlns:a16="http://schemas.microsoft.com/office/drawing/2014/main" id="{93FD60D2-BBD0-4153-99BC-69CB5966D57A}"/>
+              </a:ext>
+            </a:extLst>
+          </p:cNvPr>
+          <p:cNvSpPr/>
+          <p:nvPr/>
+        </p:nvSpPr>
+        <p:spPr>
+          <a:xfrm>
+            <a:off x="0" y="0"/>
+            <a:ext cx="12192000" cy="6858000"/>
+          </a:xfrm>
+          <a:prstGeom prst="rect">
+            <a:avLst/>
+          </a:prstGeom>
+          <a:solidFill>
+            <a:srgbClr val="10232C"/>
+          </a:solidFill>
+          <a:ln>
+            <a:noFill/>
+          </a:ln>
+        </p:spPr>
+        <p:style>
+          <a:lnRef idx="2">
+            <a:schemeClr val="accent1">
+              <a:shade val="50000"/>
+            </a:schemeClr>
+          </a:lnRef>
+          <a:fillRef idx="1">
+            <a:schemeClr val="accent1"/>
+          </a:fillRef>
+          <a:effectRef idx="0">
+            <a:schemeClr val="accent1"/>
+          </a:effectRef>
+          <a:fontRef idx="minor">
+            <a:schemeClr val="lt1"/>
+          </a:fontRef>
+        </p:style>
+        <p:txBody>
+          <a:bodyPr rtlCol="0" anchor="ctr"/>
+          <a:lstStyle/>
+          <a:p>
+            <a:pPr algn="ctr"/>
+            <a:endParaRPr lang="ko-KR" altLang="en-US" dirty="0">
+              <a:latin typeface="helvetica" panose="020B0604020202020204" pitchFamily="34" charset="0"/>
+              <a:cs typeface="helvetica" panose="020B0604020202020204" pitchFamily="34" charset="0"/>
+            </a:endParaRPr>
+          </a:p>
+        </p:txBody>
+      </p:sp>
+      <p:sp>
+        <p:nvSpPr>
+          <p:cNvPr id="4" name="제목 3">
+            <a:extLst>
+              <a:ext uri="{FF2B5EF4-FFF2-40B4-BE49-F238E27FC236}">
+                <a16:creationId xmlns:a16="http://schemas.microsoft.com/office/drawing/2014/main" id="{01352715-472E-4054-8508-F8363F27CCFA}"/>
+              </a:ext>
+            </a:extLst>
+          </p:cNvPr>
+          <p:cNvSpPr>
+            <a:spLocks noGrp="1"/>
+          </p:cNvSpPr>
+          <p:nvPr>
+            <p:ph type="title"/>
+          </p:nvPr>
+        </p:nvSpPr>
+        <p:spPr>
+          <a:xfrm>
+            <a:off x="838200" y="365125"/>
+            <a:ext cx="10515600" cy="625475"/>
+          </a:xfrm>
+        </p:spPr>
+        <p:txBody>
+          <a:bodyPr/>
+          <a:lstStyle/>
+          <a:p>
+            <a:r>
+              <a:rPr lang="en-US" altLang="ko-KR" dirty="0">
+                <a:solidFill>
+                  <a:schemeClr val="bg1"/>
+                </a:solidFill>
+                <a:latin typeface="helvetica" panose="020B0604020202020204" pitchFamily="34" charset="0"/>
+                <a:cs typeface="helvetica" panose="020B0604020202020204" pitchFamily="34" charset="0"/>
+              </a:rPr>
+              <a:t>Server</a:t>
+            </a:r>
+            <a:endParaRPr lang="ko-KR" altLang="en-US" dirty="0">
+              <a:solidFill>
+                <a:schemeClr val="bg1"/>
+              </a:solidFill>
+              <a:latin typeface="helvetica" panose="020B0604020202020204" pitchFamily="34" charset="0"/>
+              <a:cs typeface="helvetica" panose="020B0604020202020204" pitchFamily="34" charset="0"/>
+            </a:endParaRPr>
+          </a:p>
+        </p:txBody>
+      </p:sp>
+      <p:sp>
+        <p:nvSpPr>
+          <p:cNvPr id="7" name="직사각형 6">
+            <a:extLst>
+              <a:ext uri="{FF2B5EF4-FFF2-40B4-BE49-F238E27FC236}">
+                <a16:creationId xmlns:a16="http://schemas.microsoft.com/office/drawing/2014/main" id="{D94655CE-FBF6-4753-A7FC-666F0D178E57}"/>
+              </a:ext>
+            </a:extLst>
+          </p:cNvPr>
+          <p:cNvSpPr/>
+          <p:nvPr/>
+        </p:nvSpPr>
+        <p:spPr>
+          <a:xfrm>
+            <a:off x="959378" y="933765"/>
+            <a:ext cx="1569243" cy="56835"/>
+          </a:xfrm>
+          <a:prstGeom prst="rect">
+            <a:avLst/>
+          </a:prstGeom>
+          <a:solidFill>
+            <a:schemeClr val="bg1"/>
+          </a:solidFill>
+          <a:ln>
+            <a:noFill/>
+          </a:ln>
+        </p:spPr>
+        <p:style>
+          <a:lnRef idx="2">
+            <a:schemeClr val="accent1">
+              <a:shade val="50000"/>
+            </a:schemeClr>
+          </a:lnRef>
+          <a:fillRef idx="1">
+            <a:schemeClr val="accent1"/>
+          </a:fillRef>
+          <a:effectRef idx="0">
+            <a:schemeClr val="accent1"/>
+          </a:effectRef>
+          <a:fontRef idx="minor">
+            <a:schemeClr val="lt1"/>
+          </a:fontRef>
+        </p:style>
+        <p:txBody>
+          <a:bodyPr rtlCol="0" anchor="ctr"/>
+          <a:lstStyle/>
+          <a:p>
+            <a:pPr algn="ctr"/>
+            <a:endParaRPr lang="ko-KR" altLang="en-US">
+              <a:latin typeface="helvetica" panose="020B0604020202020204" pitchFamily="34" charset="0"/>
+              <a:cs typeface="helvetica" panose="020B0604020202020204" pitchFamily="34" charset="0"/>
+            </a:endParaRPr>
+          </a:p>
+        </p:txBody>
+      </p:sp>
+      <p:sp>
+        <p:nvSpPr>
+          <p:cNvPr id="13" name="직사각형 12">
+            <a:extLst>
+              <a:ext uri="{FF2B5EF4-FFF2-40B4-BE49-F238E27FC236}">
+                <a16:creationId xmlns:a16="http://schemas.microsoft.com/office/drawing/2014/main" id="{03444916-B4E6-7540-9081-179BFC4331F3}"/>
+              </a:ext>
+            </a:extLst>
+          </p:cNvPr>
+          <p:cNvSpPr/>
+          <p:nvPr/>
+        </p:nvSpPr>
+        <p:spPr>
+          <a:xfrm>
+            <a:off x="838200" y="2273300"/>
+            <a:ext cx="4601770" cy="2311400"/>
+          </a:xfrm>
+          <a:prstGeom prst="rect">
+            <a:avLst/>
+          </a:prstGeom>
+          <a:solidFill>
+            <a:schemeClr val="bg1"/>
+          </a:solidFill>
+          <a:ln>
+            <a:noFill/>
+          </a:ln>
+        </p:spPr>
+        <p:style>
+          <a:lnRef idx="2">
+            <a:schemeClr val="accent1">
+              <a:shade val="50000"/>
+            </a:schemeClr>
+          </a:lnRef>
+          <a:fillRef idx="1">
+            <a:schemeClr val="accent1"/>
+          </a:fillRef>
+          <a:effectRef idx="0">
+            <a:schemeClr val="accent1"/>
+          </a:effectRef>
+          <a:fontRef idx="minor">
+            <a:schemeClr val="lt1"/>
+          </a:fontRef>
+        </p:style>
+        <p:txBody>
+          <a:bodyPr rtlCol="0" anchor="ctr"/>
+          <a:lstStyle/>
+          <a:p>
+            <a:pPr algn="ctr"/>
+            <a:endParaRPr kumimoji="1" lang="ko-KR" altLang="en-US"/>
+          </a:p>
+        </p:txBody>
+      </p:sp>
+      <p:pic>
+        <p:nvPicPr>
+          <p:cNvPr id="3" name="그림 2">
+            <a:extLst>
+              <a:ext uri="{FF2B5EF4-FFF2-40B4-BE49-F238E27FC236}">
+                <a16:creationId xmlns:a16="http://schemas.microsoft.com/office/drawing/2014/main" id="{809031F7-5E11-214D-ADA0-76CC7C8F5C85}"/>
+              </a:ext>
+            </a:extLst>
+          </p:cNvPr>
+          <p:cNvPicPr>
+            <a:picLocks noChangeAspect="1"/>
+          </p:cNvPicPr>
+          <p:nvPr/>
+        </p:nvPicPr>
+        <p:blipFill>
+          <a:blip r:embed="rId2">
+            <a:extLst>
+              <a:ext uri="{28A0092B-C50C-407E-A947-70E740481C1C}">
+                <a14:useLocalDpi xmlns:a14="http://schemas.microsoft.com/office/drawing/2010/main" val="0"/>
+              </a:ext>
+            </a:extLst>
+          </a:blip>
+          <a:stretch>
+            <a:fillRect/>
+          </a:stretch>
+        </p:blipFill>
+        <p:spPr>
+          <a:xfrm>
+            <a:off x="779070" y="2514600"/>
+            <a:ext cx="4660900" cy="1828800"/>
+          </a:xfrm>
+          <a:prstGeom prst="rect">
+            <a:avLst/>
+          </a:prstGeom>
+        </p:spPr>
+      </p:pic>
+      <p:pic>
+        <p:nvPicPr>
+          <p:cNvPr id="12" name="그림 11">
+            <a:extLst>
+              <a:ext uri="{FF2B5EF4-FFF2-40B4-BE49-F238E27FC236}">
+                <a16:creationId xmlns:a16="http://schemas.microsoft.com/office/drawing/2014/main" id="{730EB22D-4020-9748-8CBB-2255CF8C7079}"/>
+              </a:ext>
+            </a:extLst>
+          </p:cNvPr>
+          <p:cNvPicPr>
+            <a:picLocks noChangeAspect="1"/>
+          </p:cNvPicPr>
+          <p:nvPr/>
+        </p:nvPicPr>
+        <p:blipFill>
+          <a:blip r:embed="rId3">
+            <a:extLst>
+              <a:ext uri="{28A0092B-C50C-407E-A947-70E740481C1C}">
+                <a14:useLocalDpi xmlns:a14="http://schemas.microsoft.com/office/drawing/2010/main" val="0"/>
+              </a:ext>
+            </a:extLst>
+          </a:blip>
+          <a:stretch>
+            <a:fillRect/>
+          </a:stretch>
+        </p:blipFill>
+        <p:spPr>
+          <a:xfrm>
+            <a:off x="7249941" y="2273300"/>
+            <a:ext cx="3797300" cy="2311400"/>
+          </a:xfrm>
+          <a:prstGeom prst="rect">
+            <a:avLst/>
+          </a:prstGeom>
+        </p:spPr>
+      </p:pic>
+    </p:spTree>
+    <p:extLst>
+      <p:ext uri="{BB962C8B-B14F-4D97-AF65-F5344CB8AC3E}">
+        <p14:creationId xmlns:p14="http://schemas.microsoft.com/office/powerpoint/2010/main" val="1370677916"/>
+      </p:ext>
+    </p:extLst>
+  </p:cSld>
+  <p:clrMapOvr>
+    <a:masterClrMapping/>
+  </p:clrMapOvr>
+</p:sld>
+</file>
+
+<file path=ppt/slides/slide4.xml><?xml version="1.0" encoding="utf-8"?>
+<p:sld xmlns:a="http://schemas.openxmlformats.org/drawingml/2006/main" xmlns:r="http://schemas.openxmlformats.org/officeDocument/2006/relationships" xmlns:p="http://schemas.openxmlformats.org/presentationml/2006/main">
+  <p:cSld>
+    <p:spTree>
+      <p:nvGrpSpPr>
+        <p:cNvPr id="1" name=""/>
+        <p:cNvGrpSpPr/>
+        <p:nvPr/>
+      </p:nvGrpSpPr>
+      <p:grpSpPr>
+        <a:xfrm>
+          <a:off x="0" y="0"/>
+          <a:ext cx="0" cy="0"/>
+          <a:chOff x="0" y="0"/>
+          <a:chExt cx="0" cy="0"/>
+        </a:xfrm>
+      </p:grpSpPr>
+      <p:sp>
+        <p:nvSpPr>
+          <p:cNvPr id="4" name="제목 3">
+            <a:extLst>
+              <a:ext uri="{FF2B5EF4-FFF2-40B4-BE49-F238E27FC236}">
+                <a16:creationId xmlns:a16="http://schemas.microsoft.com/office/drawing/2014/main" id="{01352715-472E-4054-8508-F8363F27CCFA}"/>
+              </a:ext>
+            </a:extLst>
+          </p:cNvPr>
+          <p:cNvSpPr>
+            <a:spLocks noGrp="1"/>
+          </p:cNvSpPr>
+          <p:nvPr>
+            <p:ph type="title"/>
+          </p:nvPr>
+        </p:nvSpPr>
+        <p:spPr>
+          <a:xfrm>
+            <a:off x="838200" y="365125"/>
+            <a:ext cx="10515600" cy="625475"/>
+          </a:xfrm>
+        </p:spPr>
+        <p:txBody>
+          <a:bodyPr/>
+          <a:lstStyle/>
+          <a:p>
+            <a:r>
+              <a:rPr lang="en-US" altLang="ko-KR" dirty="0">
+                <a:solidFill>
+                  <a:srgbClr val="0F232C"/>
+                </a:solidFill>
+                <a:latin typeface="helvetica" panose="020B0604020202020204" pitchFamily="34" charset="0"/>
+                <a:cs typeface="helvetica" panose="020B0604020202020204" pitchFamily="34" charset="0"/>
+              </a:rPr>
+              <a:t>Client app</a:t>
+            </a:r>
+            <a:endParaRPr lang="ko-KR" altLang="en-US" dirty="0">
+              <a:solidFill>
+                <a:srgbClr val="0F232C"/>
+              </a:solidFill>
+              <a:latin typeface="helvetica" panose="020B0604020202020204" pitchFamily="34" charset="0"/>
+              <a:cs typeface="helvetica" panose="020B0604020202020204" pitchFamily="34" charset="0"/>
+            </a:endParaRPr>
+          </a:p>
+        </p:txBody>
+      </p:sp>
+      <p:sp>
+        <p:nvSpPr>
+          <p:cNvPr id="7" name="직사각형 6">
+            <a:extLst>
+              <a:ext uri="{FF2B5EF4-FFF2-40B4-BE49-F238E27FC236}">
+                <a16:creationId xmlns:a16="http://schemas.microsoft.com/office/drawing/2014/main" id="{D94655CE-FBF6-4753-A7FC-666F0D178E57}"/>
+              </a:ext>
+            </a:extLst>
+          </p:cNvPr>
+          <p:cNvSpPr/>
+          <p:nvPr/>
+        </p:nvSpPr>
+        <p:spPr>
+          <a:xfrm>
+            <a:off x="959378" y="933765"/>
+            <a:ext cx="1569243" cy="56835"/>
+          </a:xfrm>
+          <a:prstGeom prst="rect">
+            <a:avLst/>
+          </a:prstGeom>
+          <a:solidFill>
+            <a:srgbClr val="0F232C"/>
+          </a:solidFill>
+          <a:ln>
+            <a:noFill/>
+          </a:ln>
+        </p:spPr>
+        <p:style>
+          <a:lnRef idx="2">
+            <a:schemeClr val="accent1">
+              <a:shade val="50000"/>
+            </a:schemeClr>
+          </a:lnRef>
+          <a:fillRef idx="1">
+            <a:schemeClr val="accent1"/>
+          </a:fillRef>
+          <a:effectRef idx="0">
+            <a:schemeClr val="accent1"/>
+          </a:effectRef>
+          <a:fontRef idx="minor">
+            <a:schemeClr val="lt1"/>
+          </a:fontRef>
+        </p:style>
+        <p:txBody>
+          <a:bodyPr rtlCol="0" anchor="ctr"/>
+          <a:lstStyle/>
+          <a:p>
+            <a:pPr algn="ctr"/>
+            <a:endParaRPr lang="ko-KR" altLang="en-US">
+              <a:solidFill>
+                <a:srgbClr val="0F232C"/>
+              </a:solidFill>
+              <a:latin typeface="helvetica" panose="020B0604020202020204" pitchFamily="34" charset="0"/>
+              <a:cs typeface="helvetica" panose="020B0604020202020204" pitchFamily="34" charset="0"/>
+            </a:endParaRPr>
+          </a:p>
+        </p:txBody>
+      </p:sp>
+      <p:pic>
+        <p:nvPicPr>
+          <p:cNvPr id="3" name="그림 2">
+            <a:extLst>
+              <a:ext uri="{FF2B5EF4-FFF2-40B4-BE49-F238E27FC236}">
+                <a16:creationId xmlns:a16="http://schemas.microsoft.com/office/drawing/2014/main" id="{3FB1CCFC-3632-E446-9D5D-1DA16E634A8F}"/>
+              </a:ext>
+            </a:extLst>
+          </p:cNvPr>
+          <p:cNvPicPr>
+            <a:picLocks noChangeAspect="1"/>
+          </p:cNvPicPr>
+          <p:nvPr/>
+        </p:nvPicPr>
+        <p:blipFill>
+          <a:blip r:embed="rId2">
+            <a:extLst>
+              <a:ext uri="{28A0092B-C50C-407E-A947-70E740481C1C}">
+                <a14:useLocalDpi xmlns:a14="http://schemas.microsoft.com/office/drawing/2010/main" val="0"/>
+              </a:ext>
+            </a:extLst>
+          </a:blip>
+          <a:stretch>
+            <a:fillRect/>
+          </a:stretch>
+        </p:blipFill>
+        <p:spPr>
+          <a:xfrm>
+            <a:off x="1743999" y="2571750"/>
+            <a:ext cx="3670300" cy="1714500"/>
+          </a:xfrm>
+          <a:prstGeom prst="rect">
+            <a:avLst/>
+          </a:prstGeom>
+        </p:spPr>
+      </p:pic>
+      <p:pic>
+        <p:nvPicPr>
+          <p:cNvPr id="8" name="그림 7">
+            <a:extLst>
+              <a:ext uri="{FF2B5EF4-FFF2-40B4-BE49-F238E27FC236}">
+                <a16:creationId xmlns:a16="http://schemas.microsoft.com/office/drawing/2014/main" id="{86D67F4A-AC11-014D-A394-F02A4B890632}"/>
+              </a:ext>
+            </a:extLst>
+          </p:cNvPr>
+          <p:cNvPicPr>
+            <a:picLocks noChangeAspect="1"/>
+          </p:cNvPicPr>
+          <p:nvPr/>
+        </p:nvPicPr>
+        <p:blipFill>
+          <a:blip r:embed="rId3">
+            <a:extLst>
+              <a:ext uri="{28A0092B-C50C-407E-A947-70E740481C1C}">
+                <a14:useLocalDpi xmlns:a14="http://schemas.microsoft.com/office/drawing/2010/main" val="0"/>
+              </a:ext>
+            </a:extLst>
+          </a:blip>
+          <a:stretch>
+            <a:fillRect/>
+          </a:stretch>
+        </p:blipFill>
+        <p:spPr>
+          <a:xfrm>
+            <a:off x="6863069" y="2794000"/>
+            <a:ext cx="2540000" cy="1270000"/>
+          </a:xfrm>
+          <a:prstGeom prst="rect">
+            <a:avLst/>
+          </a:prstGeom>
+        </p:spPr>
+      </p:pic>
+    </p:spTree>
+    <p:extLst>
+      <p:ext uri="{BB962C8B-B14F-4D97-AF65-F5344CB8AC3E}">
+        <p14:creationId xmlns:p14="http://schemas.microsoft.com/office/powerpoint/2010/main" val="78202233"/>
+      </p:ext>
+    </p:extLst>
+  </p:cSld>
+  <p:clrMapOvr>
+    <a:masterClrMapping/>
+  </p:clrMapOvr>
+</p:sld>
+</file>
+
+<file path=ppt/slides/slide5.xml><?xml version="1.0" encoding="utf-8"?>
+<p:sld xmlns:a="http://schemas.openxmlformats.org/drawingml/2006/main" xmlns:r="http://schemas.openxmlformats.org/officeDocument/2006/relationships" xmlns:p="http://schemas.openxmlformats.org/presentationml/2006/main">
+  <p:cSld>
+    <p:spTree>
+      <p:nvGrpSpPr>
+        <p:cNvPr id="1" name=""/>
+        <p:cNvGrpSpPr/>
+        <p:nvPr/>
+      </p:nvGrpSpPr>
+      <p:grpSpPr>
+        <a:xfrm>
+          <a:off x="0" y="0"/>
+          <a:ext cx="0" cy="0"/>
+          <a:chOff x="0" y="0"/>
+          <a:chExt cx="0" cy="0"/>
+        </a:xfrm>
+      </p:grpSpPr>
+      <p:sp>
+        <p:nvSpPr>
+          <p:cNvPr id="4" name="제목 3">
+            <a:extLst>
+              <a:ext uri="{FF2B5EF4-FFF2-40B4-BE49-F238E27FC236}">
+                <a16:creationId xmlns:a16="http://schemas.microsoft.com/office/drawing/2014/main" id="{01352715-472E-4054-8508-F8363F27CCFA}"/>
+              </a:ext>
+            </a:extLst>
+          </p:cNvPr>
+          <p:cNvSpPr>
+            <a:spLocks noGrp="1"/>
+          </p:cNvSpPr>
+          <p:nvPr>
+            <p:ph type="title"/>
+          </p:nvPr>
+        </p:nvSpPr>
+        <p:spPr>
+          <a:xfrm>
+            <a:off x="838200" y="365125"/>
+            <a:ext cx="10515600" cy="625475"/>
+          </a:xfrm>
+        </p:spPr>
+        <p:txBody>
+          <a:bodyPr/>
+          <a:lstStyle/>
+          <a:p>
+            <a:r>
+              <a:rPr lang="en-US" altLang="ko-KR" dirty="0">
+                <a:solidFill>
+                  <a:srgbClr val="0F232C"/>
+                </a:solidFill>
+                <a:latin typeface="helvetica" panose="020B0604020202020204" pitchFamily="34" charset="0"/>
+                <a:cs typeface="helvetica" panose="020B0604020202020204" pitchFamily="34" charset="0"/>
+              </a:rPr>
+              <a:t>API SPECS</a:t>
+            </a:r>
+            <a:endParaRPr lang="ko-KR" altLang="en-US" dirty="0">
+              <a:solidFill>
+                <a:srgbClr val="0F232C"/>
+              </a:solidFill>
+              <a:latin typeface="helvetica" panose="020B0604020202020204" pitchFamily="34" charset="0"/>
+              <a:cs typeface="helvetica" panose="020B0604020202020204" pitchFamily="34" charset="0"/>
+            </a:endParaRPr>
+          </a:p>
+        </p:txBody>
+      </p:sp>
+      <p:sp>
+        <p:nvSpPr>
+          <p:cNvPr id="7" name="직사각형 6">
+            <a:extLst>
+              <a:ext uri="{FF2B5EF4-FFF2-40B4-BE49-F238E27FC236}">
+                <a16:creationId xmlns:a16="http://schemas.microsoft.com/office/drawing/2014/main" id="{D94655CE-FBF6-4753-A7FC-666F0D178E57}"/>
+              </a:ext>
+            </a:extLst>
+          </p:cNvPr>
+          <p:cNvSpPr/>
+          <p:nvPr/>
+        </p:nvSpPr>
+        <p:spPr>
+          <a:xfrm>
+            <a:off x="959378" y="933765"/>
+            <a:ext cx="2555609" cy="56835"/>
+          </a:xfrm>
+          <a:prstGeom prst="rect">
+            <a:avLst/>
+          </a:prstGeom>
+          <a:solidFill>
+            <a:srgbClr val="0F232C"/>
+          </a:solidFill>
+          <a:ln>
+            <a:noFill/>
+          </a:ln>
+        </p:spPr>
+        <p:style>
+          <a:lnRef idx="2">
+            <a:schemeClr val="accent1">
+              <a:shade val="50000"/>
+            </a:schemeClr>
+          </a:lnRef>
+          <a:fillRef idx="1">
+            <a:schemeClr val="accent1"/>
+          </a:fillRef>
+          <a:effectRef idx="0">
+            <a:schemeClr val="accent1"/>
+          </a:effectRef>
+          <a:fontRef idx="minor">
+            <a:schemeClr val="lt1"/>
+          </a:fontRef>
+        </p:style>
+        <p:txBody>
+          <a:bodyPr rtlCol="0" anchor="ctr"/>
+          <a:lstStyle/>
+          <a:p>
+            <a:pPr algn="ctr"/>
+            <a:endParaRPr lang="ko-KR" altLang="en-US">
+              <a:solidFill>
+                <a:srgbClr val="0F232C"/>
+              </a:solidFill>
+              <a:latin typeface="helvetica" panose="020B0604020202020204" pitchFamily="34" charset="0"/>
+              <a:cs typeface="helvetica" panose="020B0604020202020204" pitchFamily="34" charset="0"/>
+            </a:endParaRPr>
+          </a:p>
+        </p:txBody>
+      </p:sp>
+      <p:sp>
+        <p:nvSpPr>
+          <p:cNvPr id="2" name="TextBox 1">
+            <a:extLst>
+              <a:ext uri="{FF2B5EF4-FFF2-40B4-BE49-F238E27FC236}">
+                <a16:creationId xmlns:a16="http://schemas.microsoft.com/office/drawing/2014/main" id="{5C0BBBFF-127E-CE4E-B113-A880015774D5}"/>
+              </a:ext>
+            </a:extLst>
+          </p:cNvPr>
+          <p:cNvSpPr txBox="1"/>
+          <p:nvPr/>
+        </p:nvSpPr>
+        <p:spPr>
+          <a:xfrm>
+            <a:off x="838200" y="1559240"/>
+            <a:ext cx="4269997" cy="400110"/>
+          </a:xfrm>
+          <a:prstGeom prst="rect">
+            <a:avLst/>
+          </a:prstGeom>
+          <a:noFill/>
+        </p:spPr>
+        <p:txBody>
+          <a:bodyPr wrap="square" rtlCol="0">
+            <a:spAutoFit/>
+          </a:bodyPr>
+          <a:lstStyle/>
+          <a:p>
+            <a:r>
+              <a:rPr kumimoji="1" lang="en-US" altLang="ko-KR" sz="2000" dirty="0">
+                <a:solidFill>
+                  <a:srgbClr val="0F232C"/>
+                </a:solidFill>
+                <a:latin typeface="Helvetica" pitchFamily="2" charset="0"/>
+              </a:rPr>
+              <a:t>/GET</a:t>
+            </a:r>
+            <a:r>
+              <a:rPr kumimoji="1" lang="en-US" altLang="ko-KR" sz="2000" b="1" dirty="0">
+                <a:solidFill>
+                  <a:srgbClr val="0F232C"/>
+                </a:solidFill>
+                <a:latin typeface="Helvetica" pitchFamily="2" charset="0"/>
+              </a:rPr>
+              <a:t> /matches/&lt;</a:t>
+            </a:r>
+            <a:r>
+              <a:rPr kumimoji="1" lang="en-US" altLang="ko-KR" sz="2000" b="1" dirty="0" err="1">
+                <a:solidFill>
+                  <a:srgbClr val="0F232C"/>
+                </a:solidFill>
+                <a:latin typeface="Helvetica" pitchFamily="2" charset="0"/>
+              </a:rPr>
+              <a:t>int:year</a:t>
+            </a:r>
+            <a:r>
+              <a:rPr kumimoji="1" lang="en-US" altLang="ko-KR" sz="2000" b="1" dirty="0">
+                <a:solidFill>
+                  <a:srgbClr val="0F232C"/>
+                </a:solidFill>
+                <a:latin typeface="Helvetica" pitchFamily="2" charset="0"/>
+              </a:rPr>
+              <a:t>&gt;</a:t>
+            </a:r>
+            <a:endParaRPr kumimoji="1" lang="ko-KR" altLang="en-US" sz="2000" b="1" dirty="0">
+              <a:solidFill>
+                <a:srgbClr val="0F232C"/>
+              </a:solidFill>
+              <a:latin typeface="Helvetica" pitchFamily="2" charset="0"/>
+            </a:endParaRPr>
+          </a:p>
+        </p:txBody>
+      </p:sp>
+      <p:sp>
+        <p:nvSpPr>
+          <p:cNvPr id="11" name="TextBox 10">
+            <a:extLst>
+              <a:ext uri="{FF2B5EF4-FFF2-40B4-BE49-F238E27FC236}">
+                <a16:creationId xmlns:a16="http://schemas.microsoft.com/office/drawing/2014/main" id="{EC3ABE83-5ECA-9640-8505-6FFE92D700BD}"/>
+              </a:ext>
+            </a:extLst>
+          </p:cNvPr>
+          <p:cNvSpPr txBox="1"/>
+          <p:nvPr/>
+        </p:nvSpPr>
+        <p:spPr>
+          <a:xfrm>
+            <a:off x="838200" y="2127880"/>
+            <a:ext cx="7626292" cy="646331"/>
+          </a:xfrm>
+          <a:prstGeom prst="rect">
+            <a:avLst/>
+          </a:prstGeom>
+          <a:noFill/>
+        </p:spPr>
+        <p:txBody>
+          <a:bodyPr wrap="square" rtlCol="0">
+            <a:spAutoFit/>
+          </a:bodyPr>
+          <a:lstStyle/>
+          <a:p>
+            <a:pPr marL="342900" indent="-342900">
+              <a:buFont typeface="Arial" panose="020B0604020202020204" pitchFamily="34" charset="0"/>
+              <a:buChar char="•"/>
+            </a:pPr>
+            <a:r>
+              <a:rPr kumimoji="1" lang="ko-KR" altLang="en-US" b="1" dirty="0">
+                <a:solidFill>
+                  <a:srgbClr val="0F232C"/>
+                </a:solidFill>
+                <a:latin typeface="Helvetica" pitchFamily="2" charset="0"/>
+              </a:rPr>
+              <a:t>특정 연도의 </a:t>
+            </a:r>
+            <a:r>
+              <a:rPr kumimoji="1" lang="ko-KR" altLang="en-US" b="1" dirty="0" err="1">
+                <a:solidFill>
+                  <a:srgbClr val="0F232C"/>
+                </a:solidFill>
+                <a:latin typeface="Helvetica" pitchFamily="2" charset="0"/>
+              </a:rPr>
+              <a:t>리그매치</a:t>
+            </a:r>
+            <a:r>
+              <a:rPr kumimoji="1" lang="ko-KR" altLang="en-US" b="1" dirty="0">
+                <a:solidFill>
+                  <a:srgbClr val="0F232C"/>
+                </a:solidFill>
+                <a:latin typeface="Helvetica" pitchFamily="2" charset="0"/>
+              </a:rPr>
+              <a:t> 데이터를 그래프 구조에 맞게 반환</a:t>
+            </a:r>
+            <a:endParaRPr kumimoji="1" lang="en-US" altLang="ko-KR" b="1" dirty="0">
+              <a:solidFill>
+                <a:srgbClr val="0F232C"/>
+              </a:solidFill>
+              <a:latin typeface="Helvetica" pitchFamily="2" charset="0"/>
+            </a:endParaRPr>
+          </a:p>
+          <a:p>
+            <a:pPr marL="342900" indent="-342900">
+              <a:buFont typeface="Arial" panose="020B0604020202020204" pitchFamily="34" charset="0"/>
+              <a:buChar char="•"/>
+            </a:pPr>
+            <a:r>
+              <a:rPr kumimoji="1" lang="en-US" altLang="ko-KR" b="1" dirty="0">
+                <a:solidFill>
+                  <a:srgbClr val="0F232C"/>
+                </a:solidFill>
+                <a:latin typeface="Helvetica" pitchFamily="2" charset="0"/>
+              </a:rPr>
+              <a:t>response: Node</a:t>
+            </a:r>
+            <a:r>
+              <a:rPr kumimoji="1" lang="ko-KR" altLang="en-US" b="1" dirty="0">
+                <a:solidFill>
+                  <a:srgbClr val="0F232C"/>
+                </a:solidFill>
+                <a:latin typeface="Helvetica" pitchFamily="2" charset="0"/>
+              </a:rPr>
+              <a:t>와 </a:t>
+            </a:r>
+            <a:r>
+              <a:rPr kumimoji="1" lang="en-US" altLang="ko-KR" b="1" dirty="0">
+                <a:solidFill>
+                  <a:srgbClr val="0F232C"/>
+                </a:solidFill>
+                <a:latin typeface="Helvetica" pitchFamily="2" charset="0"/>
+              </a:rPr>
+              <a:t>Edge</a:t>
+            </a:r>
+            <a:r>
+              <a:rPr kumimoji="1" lang="ko-KR" altLang="en-US" b="1" dirty="0">
+                <a:solidFill>
+                  <a:srgbClr val="0F232C"/>
+                </a:solidFill>
+                <a:latin typeface="Helvetica" pitchFamily="2" charset="0"/>
+              </a:rPr>
+              <a:t>로 이루어진 </a:t>
+            </a:r>
+            <a:r>
+              <a:rPr kumimoji="1" lang="en-US" altLang="ko-KR" b="1" dirty="0">
+                <a:solidFill>
+                  <a:srgbClr val="0F232C"/>
+                </a:solidFill>
+                <a:latin typeface="Helvetica" pitchFamily="2" charset="0"/>
+              </a:rPr>
+              <a:t>Array</a:t>
+            </a:r>
+            <a:endParaRPr kumimoji="1" lang="ko-KR" altLang="en-US" b="1" dirty="0">
+              <a:solidFill>
+                <a:srgbClr val="0F232C"/>
+              </a:solidFill>
+              <a:latin typeface="Helvetica" pitchFamily="2" charset="0"/>
+            </a:endParaRPr>
+          </a:p>
+        </p:txBody>
+      </p:sp>
+      <p:pic>
+        <p:nvPicPr>
+          <p:cNvPr id="12" name="그림 11">
+            <a:extLst>
+              <a:ext uri="{FF2B5EF4-FFF2-40B4-BE49-F238E27FC236}">
+                <a16:creationId xmlns:a16="http://schemas.microsoft.com/office/drawing/2014/main" id="{A7810081-57C4-C042-80FD-0C3E38E971A6}"/>
+              </a:ext>
+            </a:extLst>
+          </p:cNvPr>
+          <p:cNvPicPr>
+            <a:picLocks noChangeAspect="1"/>
+          </p:cNvPicPr>
+          <p:nvPr/>
+        </p:nvPicPr>
+        <p:blipFill rotWithShape="1">
+          <a:blip r:embed="rId2">
+            <a:extLst>
+              <a:ext uri="{28A0092B-C50C-407E-A947-70E740481C1C}">
+                <a14:useLocalDpi xmlns:a14="http://schemas.microsoft.com/office/drawing/2010/main" val="0"/>
+              </a:ext>
+            </a:extLst>
+          </a:blip>
+          <a:srcRect r="60738"/>
+          <a:stretch/>
+        </p:blipFill>
+        <p:spPr>
+          <a:xfrm>
+            <a:off x="1224785" y="2874691"/>
+            <a:ext cx="3122803" cy="3679460"/>
+          </a:xfrm>
+          <a:prstGeom prst="rect">
+            <a:avLst/>
+          </a:prstGeom>
+        </p:spPr>
+      </p:pic>
+      <p:pic>
+        <p:nvPicPr>
+          <p:cNvPr id="14" name="그림 13">
+            <a:extLst>
+              <a:ext uri="{FF2B5EF4-FFF2-40B4-BE49-F238E27FC236}">
+                <a16:creationId xmlns:a16="http://schemas.microsoft.com/office/drawing/2014/main" id="{C569213E-8F76-034D-85DE-3127A14796A3}"/>
+              </a:ext>
+            </a:extLst>
+          </p:cNvPr>
+          <p:cNvPicPr>
+            <a:picLocks noChangeAspect="1"/>
+          </p:cNvPicPr>
+          <p:nvPr/>
+        </p:nvPicPr>
+        <p:blipFill rotWithShape="1">
+          <a:blip r:embed="rId3">
+            <a:extLst>
+              <a:ext uri="{28A0092B-C50C-407E-A947-70E740481C1C}">
+                <a14:useLocalDpi xmlns:a14="http://schemas.microsoft.com/office/drawing/2010/main" val="0"/>
+              </a:ext>
+            </a:extLst>
+          </a:blip>
+          <a:srcRect r="60738"/>
+          <a:stretch/>
+        </p:blipFill>
+        <p:spPr>
+          <a:xfrm>
+            <a:off x="6096000" y="2874691"/>
+            <a:ext cx="3122802" cy="4288915"/>
+          </a:xfrm>
+          <a:prstGeom prst="rect">
+            <a:avLst/>
+          </a:prstGeom>
+        </p:spPr>
+      </p:pic>
+    </p:spTree>
+    <p:extLst>
+      <p:ext uri="{BB962C8B-B14F-4D97-AF65-F5344CB8AC3E}">
+        <p14:creationId xmlns:p14="http://schemas.microsoft.com/office/powerpoint/2010/main" val="682771776"/>
+      </p:ext>
+    </p:extLst>
+  </p:cSld>
+  <p:clrMapOvr>
+    <a:masterClrMapping/>
+  </p:clrMapOvr>
+</p:sld>
+</file>
+
+<file path=ppt/slides/slide6.xml><?xml version="1.0" encoding="utf-8"?>
+<p:sld xmlns:a="http://schemas.openxmlformats.org/drawingml/2006/main" xmlns:r="http://schemas.openxmlformats.org/officeDocument/2006/relationships" xmlns:p="http://schemas.openxmlformats.org/presentationml/2006/main">
+  <p:cSld>
+    <p:spTree>
+      <p:nvGrpSpPr>
+        <p:cNvPr id="1" name=""/>
+        <p:cNvGrpSpPr/>
+        <p:nvPr/>
+      </p:nvGrpSpPr>
+      <p:grpSpPr>
+        <a:xfrm>
+          <a:off x="0" y="0"/>
+          <a:ext cx="0" cy="0"/>
+          <a:chOff x="0" y="0"/>
+          <a:chExt cx="0" cy="0"/>
+        </a:xfrm>
+      </p:grpSpPr>
+      <p:sp>
+        <p:nvSpPr>
+          <p:cNvPr id="6" name="직사각형 5">
+            <a:extLst>
+              <a:ext uri="{FF2B5EF4-FFF2-40B4-BE49-F238E27FC236}">
+                <a16:creationId xmlns:a16="http://schemas.microsoft.com/office/drawing/2014/main" id="{93FD60D2-BBD0-4153-99BC-69CB5966D57A}"/>
+              </a:ext>
+            </a:extLst>
+          </p:cNvPr>
+          <p:cNvSpPr/>
+          <p:nvPr/>
+        </p:nvSpPr>
+        <p:spPr>
+          <a:xfrm>
+            <a:off x="0" y="0"/>
+            <a:ext cx="12192000" cy="6858000"/>
+          </a:xfrm>
+          <a:prstGeom prst="rect">
+            <a:avLst/>
+          </a:prstGeom>
+          <a:solidFill>
+            <a:srgbClr val="10232C"/>
+          </a:solidFill>
+          <a:ln>
+            <a:noFill/>
+          </a:ln>
+        </p:spPr>
+        <p:style>
+          <a:lnRef idx="2">
+            <a:schemeClr val="accent1">
+              <a:shade val="50000"/>
+            </a:schemeClr>
+          </a:lnRef>
+          <a:fillRef idx="1">
+            <a:schemeClr val="accent1"/>
+          </a:fillRef>
+          <a:effectRef idx="0">
+            <a:schemeClr val="accent1"/>
+          </a:effectRef>
+          <a:fontRef idx="minor">
+            <a:schemeClr val="lt1"/>
+          </a:fontRef>
+        </p:style>
+        <p:txBody>
+          <a:bodyPr rtlCol="0" anchor="ctr"/>
+          <a:lstStyle/>
+          <a:p>
+            <a:pPr algn="ctr"/>
+            <a:endParaRPr lang="ko-KR" altLang="en-US" dirty="0">
+              <a:latin typeface="helvetica" panose="020B0604020202020204" pitchFamily="34" charset="0"/>
+              <a:cs typeface="helvetica" panose="020B0604020202020204" pitchFamily="34" charset="0"/>
+            </a:endParaRPr>
+          </a:p>
+        </p:txBody>
+      </p:sp>
+      <p:sp>
+        <p:nvSpPr>
+          <p:cNvPr id="4" name="제목 3">
+            <a:extLst>
+              <a:ext uri="{FF2B5EF4-FFF2-40B4-BE49-F238E27FC236}">
+                <a16:creationId xmlns:a16="http://schemas.microsoft.com/office/drawing/2014/main" id="{01352715-472E-4054-8508-F8363F27CCFA}"/>
+              </a:ext>
+            </a:extLst>
+          </p:cNvPr>
+          <p:cNvSpPr>
+            <a:spLocks noGrp="1"/>
+          </p:cNvSpPr>
+          <p:nvPr>
+            <p:ph type="title"/>
+          </p:nvPr>
+        </p:nvSpPr>
+        <p:spPr/>
+        <p:txBody>
+          <a:bodyPr/>
+          <a:lstStyle/>
+          <a:p>
+            <a:pPr algn="ctr"/>
+            <a:r>
+              <a:rPr lang="en-US" altLang="ko-KR" dirty="0">
+                <a:solidFill>
+                  <a:schemeClr val="bg1"/>
+                </a:solidFill>
+                <a:latin typeface="helvetica" panose="020B0604020202020204" pitchFamily="34" charset="0"/>
+                <a:cs typeface="helvetica" panose="020B0604020202020204" pitchFamily="34" charset="0"/>
+              </a:rPr>
+              <a:t>DEMO</a:t>
+            </a:r>
+            <a:endParaRPr lang="ko-KR" altLang="en-US" dirty="0">
+              <a:solidFill>
+                <a:schemeClr val="bg1"/>
+              </a:solidFill>
+              <a:latin typeface="helvetica" panose="020B0604020202020204" pitchFamily="34" charset="0"/>
+              <a:cs typeface="helvetica" panose="020B0604020202020204" pitchFamily="34" charset="0"/>
+            </a:endParaRPr>
+          </a:p>
+        </p:txBody>
+      </p:sp>
+      <p:sp>
+        <p:nvSpPr>
+          <p:cNvPr id="2" name="텍스트 개체 틀 1">
+            <a:extLst>
+              <a:ext uri="{FF2B5EF4-FFF2-40B4-BE49-F238E27FC236}">
+                <a16:creationId xmlns:a16="http://schemas.microsoft.com/office/drawing/2014/main" id="{85112E08-318A-B34E-858F-49550347D5A1}"/>
+              </a:ext>
+            </a:extLst>
+          </p:cNvPr>
+          <p:cNvSpPr>
+            <a:spLocks noGrp="1"/>
+          </p:cNvSpPr>
+          <p:nvPr>
+            <p:ph type="body" idx="1"/>
+          </p:nvPr>
+        </p:nvSpPr>
+        <p:spPr/>
+        <p:txBody>
+          <a:bodyPr/>
+          <a:lstStyle/>
+          <a:p>
+            <a:endParaRPr kumimoji="1" lang="ko-KR" altLang="en-US"/>
+          </a:p>
+        </p:txBody>
+      </p:sp>
+    </p:spTree>
+    <p:extLst>
+      <p:ext uri="{BB962C8B-B14F-4D97-AF65-F5344CB8AC3E}">
+        <p14:creationId xmlns:p14="http://schemas.microsoft.com/office/powerpoint/2010/main" val="2170529483"/>
+      </p:ext>
+    </p:extLst>
+  </p:cSld>
+  <p:clrMapOvr>
+    <a:masterClrMapping/>
+  </p:clrMapOvr>
+</p:sld>
+</file>
+
+<file path=ppt/slides/slide7.xml><?xml version="1.0" encoding="utf-8"?>
+<p:sld xmlns:a="http://schemas.openxmlformats.org/drawingml/2006/main" xmlns:r="http://schemas.openxmlformats.org/officeDocument/2006/relationships" xmlns:p="http://schemas.openxmlformats.org/presentationml/2006/main">
+  <p:cSld>
+    <p:spTree>
+      <p:nvGrpSpPr>
+        <p:cNvPr id="1" name=""/>
+        <p:cNvGrpSpPr/>
+        <p:nvPr/>
+      </p:nvGrpSpPr>
+      <p:grpSpPr>
+        <a:xfrm>
+          <a:off x="0" y="0"/>
+          <a:ext cx="0" cy="0"/>
+          <a:chOff x="0" y="0"/>
+          <a:chExt cx="0" cy="0"/>
+        </a:xfrm>
+      </p:grpSpPr>
+      <p:sp>
+        <p:nvSpPr>
+          <p:cNvPr id="6" name="직사각형 5">
+            <a:extLst>
+              <a:ext uri="{FF2B5EF4-FFF2-40B4-BE49-F238E27FC236}">
+                <a16:creationId xmlns:a16="http://schemas.microsoft.com/office/drawing/2014/main" id="{93FD60D2-BBD0-4153-99BC-69CB5966D57A}"/>
+              </a:ext>
+            </a:extLst>
+          </p:cNvPr>
+          <p:cNvSpPr/>
+          <p:nvPr/>
+        </p:nvSpPr>
+        <p:spPr>
+          <a:xfrm>
+            <a:off x="0" y="0"/>
+            <a:ext cx="12192000" cy="6858000"/>
+          </a:xfrm>
+          <a:prstGeom prst="rect">
+            <a:avLst/>
+          </a:prstGeom>
+          <a:solidFill>
+            <a:srgbClr val="10232C"/>
+          </a:solidFill>
+          <a:ln>
+            <a:noFill/>
+          </a:ln>
+        </p:spPr>
+        <p:style>
+          <a:lnRef idx="2">
+            <a:schemeClr val="accent1">
+              <a:shade val="50000"/>
+            </a:schemeClr>
+          </a:lnRef>
+          <a:fillRef idx="1">
+            <a:schemeClr val="accent1"/>
+          </a:fillRef>
+          <a:effectRef idx="0">
+            <a:schemeClr val="accent1"/>
+          </a:effectRef>
+          <a:fontRef idx="minor">
+            <a:schemeClr val="lt1"/>
+          </a:fontRef>
+        </p:style>
+        <p:txBody>
+          <a:bodyPr rtlCol="0" anchor="ctr"/>
+          <a:lstStyle/>
+          <a:p>
+            <a:pPr algn="ctr"/>
+            <a:endParaRPr lang="ko-KR" altLang="en-US" dirty="0">
+              <a:latin typeface="helvetica" panose="020B0604020202020204" pitchFamily="34" charset="0"/>
+              <a:cs typeface="helvetica" panose="020B0604020202020204" pitchFamily="34" charset="0"/>
+            </a:endParaRPr>
+          </a:p>
+        </p:txBody>
+      </p:sp>
+      <p:sp>
+        <p:nvSpPr>
+          <p:cNvPr id="4" name="제목 3">
+            <a:extLst>
+              <a:ext uri="{FF2B5EF4-FFF2-40B4-BE49-F238E27FC236}">
+                <a16:creationId xmlns:a16="http://schemas.microsoft.com/office/drawing/2014/main" id="{01352715-472E-4054-8508-F8363F27CCFA}"/>
+              </a:ext>
+            </a:extLst>
+          </p:cNvPr>
+          <p:cNvSpPr>
+            <a:spLocks noGrp="1"/>
+          </p:cNvSpPr>
+          <p:nvPr>
+            <p:ph type="title"/>
+          </p:nvPr>
+        </p:nvSpPr>
+        <p:spPr>
+          <a:xfrm>
+            <a:off x="838200" y="365125"/>
+            <a:ext cx="10515600" cy="625475"/>
+          </a:xfrm>
+        </p:spPr>
+        <p:txBody>
+          <a:bodyPr/>
+          <a:lstStyle/>
+          <a:p>
+            <a:r>
+              <a:rPr lang="en-US" altLang="ko-KR" dirty="0">
+                <a:solidFill>
+                  <a:schemeClr val="bg1"/>
+                </a:solidFill>
+                <a:latin typeface="helvetica" panose="020B0604020202020204" pitchFamily="34" charset="0"/>
+                <a:cs typeface="helvetica" panose="020B0604020202020204" pitchFamily="34" charset="0"/>
+              </a:rPr>
+              <a:t>TO DO</a:t>
+            </a:r>
+            <a:endParaRPr lang="ko-KR" altLang="en-US" dirty="0">
+              <a:solidFill>
+                <a:schemeClr val="bg1"/>
+              </a:solidFill>
+              <a:latin typeface="helvetica" panose="020B0604020202020204" pitchFamily="34" charset="0"/>
+              <a:cs typeface="helvetica" panose="020B0604020202020204" pitchFamily="34" charset="0"/>
+            </a:endParaRPr>
+          </a:p>
+        </p:txBody>
+      </p:sp>
+      <p:sp>
+        <p:nvSpPr>
+          <p:cNvPr id="7" name="직사각형 6">
+            <a:extLst>
+              <a:ext uri="{FF2B5EF4-FFF2-40B4-BE49-F238E27FC236}">
+                <a16:creationId xmlns:a16="http://schemas.microsoft.com/office/drawing/2014/main" id="{D94655CE-FBF6-4753-A7FC-666F0D178E57}"/>
+              </a:ext>
+            </a:extLst>
+          </p:cNvPr>
+          <p:cNvSpPr/>
+          <p:nvPr/>
+        </p:nvSpPr>
+        <p:spPr>
+          <a:xfrm>
+            <a:off x="959378" y="933765"/>
+            <a:ext cx="1569243" cy="56835"/>
+          </a:xfrm>
+          <a:prstGeom prst="rect">
+            <a:avLst/>
+          </a:prstGeom>
+          <a:solidFill>
+            <a:schemeClr val="bg1"/>
+          </a:solidFill>
+          <a:ln>
+            <a:noFill/>
+          </a:ln>
+        </p:spPr>
+        <p:style>
+          <a:lnRef idx="2">
+            <a:schemeClr val="accent1">
+              <a:shade val="50000"/>
+            </a:schemeClr>
+          </a:lnRef>
+          <a:fillRef idx="1">
+            <a:schemeClr val="accent1"/>
+          </a:fillRef>
+          <a:effectRef idx="0">
+            <a:schemeClr val="accent1"/>
+          </a:effectRef>
+          <a:fontRef idx="minor">
+            <a:schemeClr val="lt1"/>
+          </a:fontRef>
+        </p:style>
+        <p:txBody>
+          <a:bodyPr rtlCol="0" anchor="ctr"/>
+          <a:lstStyle/>
+          <a:p>
+            <a:pPr algn="ctr"/>
+            <a:endParaRPr lang="ko-KR" altLang="en-US">
+              <a:latin typeface="helvetica" panose="020B0604020202020204" pitchFamily="34" charset="0"/>
+              <a:cs typeface="helvetica" panose="020B0604020202020204" pitchFamily="34" charset="0"/>
+            </a:endParaRPr>
+          </a:p>
+        </p:txBody>
+      </p:sp>
+    </p:spTree>
+    <p:extLst>
+      <p:ext uri="{BB962C8B-B14F-4D97-AF65-F5344CB8AC3E}">
+        <p14:creationId xmlns:p14="http://schemas.microsoft.com/office/powerpoint/2010/main" val="1783345580"/>
+      </p:ext>
+    </p:extLst>
+  </p:cSld>
+  <p:clrMapOvr>
+    <a:masterClrMapping/>
+  </p:clrMapOvr>
+</p:sld>
+</file>
+
+<file path=ppt/slides/slide8.xml><?xml version="1.0" encoding="utf-8"?>
 <p:sld xmlns:a="http://schemas.openxmlformats.org/drawingml/2006/main" xmlns:r="http://schemas.openxmlformats.org/officeDocument/2006/relationships" xmlns:p="http://schemas.openxmlformats.org/presentationml/2006/main">
   <p:cSld>
     <p:spTree>

--- a/dynamic-graph/slides/2nd-dynamic-graph-problem-solving.pptx
+++ b/dynamic-graph/slides/2nd-dynamic-graph-problem-solving.pptx
@@ -5,7 +5,7 @@
     <p:sldMasterId id="2147483648" r:id="rId1"/>
   </p:sldMasterIdLst>
   <p:notesMasterIdLst>
-    <p:notesMasterId r:id="rId10"/>
+    <p:notesMasterId r:id="rId11"/>
   </p:notesMasterIdLst>
   <p:sldIdLst>
     <p:sldId id="257" r:id="rId2"/>
@@ -15,7 +15,8 @@
     <p:sldId id="271" r:id="rId6"/>
     <p:sldId id="276" r:id="rId7"/>
     <p:sldId id="275" r:id="rId8"/>
-    <p:sldId id="269" r:id="rId9"/>
+    <p:sldId id="277" r:id="rId9"/>
+    <p:sldId id="269" r:id="rId10"/>
   </p:sldIdLst>
   <p:sldSz cx="12192000" cy="6858000"/>
   <p:notesSz cx="6858000" cy="9144000"/>
@@ -547,7 +548,7 @@
           <a:p>
             <a:fld id="{6594DF6C-BF38-4307-BF1B-8846C5E3F520}" type="slidenum">
               <a:rPr lang="ko-KR" altLang="en-US" smtClean="0"/>
-              <a:t>8</a:t>
+              <a:t>9</a:t>
             </a:fld>
             <a:endParaRPr lang="ko-KR" altLang="en-US"/>
           </a:p>
@@ -4084,7 +4085,7 @@
         <p:spPr>
           <a:xfrm>
             <a:off x="1101305" y="5378569"/>
-            <a:ext cx="9144000" cy="504645"/>
+            <a:ext cx="9144000" cy="862840"/>
           </a:xfrm>
           <a:prstGeom prst="rect">
             <a:avLst/>
@@ -4092,7 +4093,7 @@
         </p:spPr>
         <p:txBody>
           <a:bodyPr vert="horz" lIns="91440" tIns="45720" rIns="91440" bIns="45720" rtlCol="0">
-            <a:normAutofit/>
+            <a:normAutofit lnSpcReduction="10000"/>
           </a:bodyPr>
           <a:lstStyle>
             <a:lvl1pPr marL="0" indent="0" algn="ctr" defTabSz="914400" rtl="0" eaLnBrk="1" latinLnBrk="1" hangingPunct="1">
@@ -4289,6 +4290,27 @@
               </a:rPr>
               <a:t>Problem solving</a:t>
             </a:r>
+          </a:p>
+          <a:p>
+            <a:r>
+              <a:rPr lang="en-US" altLang="ko-KR" b="1" dirty="0">
+                <a:solidFill>
+                  <a:srgbClr val="10232C"/>
+                </a:solidFill>
+                <a:latin typeface="helvetica" panose="020B0604020202020204" pitchFamily="34" charset="0"/>
+                <a:cs typeface="helvetica" panose="020B0604020202020204" pitchFamily="34" charset="0"/>
+              </a:rPr>
+              <a:t>3rd. Implementation</a:t>
+            </a:r>
+            <a:endParaRPr lang="ko-KR" altLang="en-US" b="1" dirty="0">
+              <a:solidFill>
+                <a:srgbClr val="10232C"/>
+              </a:solidFill>
+              <a:latin typeface="helvetica" panose="020B0604020202020204" pitchFamily="34" charset="0"/>
+              <a:cs typeface="helvetica" panose="020B0604020202020204" pitchFamily="34" charset="0"/>
+            </a:endParaRPr>
+          </a:p>
+          <a:p>
             <a:endParaRPr lang="ko-KR" altLang="en-US" b="1" dirty="0">
               <a:solidFill>
                 <a:srgbClr val="10232C"/>
@@ -5175,6 +5197,42 @@
           <a:xfrm>
             <a:off x="7249941" y="2273300"/>
             <a:ext cx="3797300" cy="2311400"/>
+          </a:xfrm>
+          <a:prstGeom prst="rect">
+            <a:avLst/>
+          </a:prstGeom>
+        </p:spPr>
+      </p:pic>
+      <p:pic>
+        <p:nvPicPr>
+          <p:cNvPr id="15" name="그림 14">
+            <a:extLst>
+              <a:ext uri="{FF2B5EF4-FFF2-40B4-BE49-F238E27FC236}">
+                <a16:creationId xmlns:a16="http://schemas.microsoft.com/office/drawing/2014/main" id="{FDAFBC5A-526B-654D-875B-BB7CC4491200}"/>
+              </a:ext>
+            </a:extLst>
+          </p:cNvPr>
+          <p:cNvPicPr>
+            <a:picLocks noChangeAspect="1"/>
+          </p:cNvPicPr>
+          <p:nvPr/>
+        </p:nvPicPr>
+        <p:blipFill>
+          <a:blip r:embed="rId4">
+            <a:extLst>
+              <a:ext uri="{28A0092B-C50C-407E-A947-70E740481C1C}">
+                <a14:useLocalDpi xmlns:a14="http://schemas.microsoft.com/office/drawing/2010/main" val="0"/>
+              </a:ext>
+            </a:extLst>
+          </a:blip>
+          <a:stretch>
+            <a:fillRect/>
+          </a:stretch>
+        </p:blipFill>
+        <p:spPr>
+          <a:xfrm>
+            <a:off x="3361189" y="4724400"/>
+            <a:ext cx="5486400" cy="1143000"/>
           </a:xfrm>
           <a:prstGeom prst="rect">
             <a:avLst/>
@@ -6127,6 +6185,477 @@
           </a:p>
         </p:txBody>
       </p:sp>
+      <p:sp>
+        <p:nvSpPr>
+          <p:cNvPr id="8" name="내용 개체 틀 2">
+            <a:extLst>
+              <a:ext uri="{FF2B5EF4-FFF2-40B4-BE49-F238E27FC236}">
+                <a16:creationId xmlns:a16="http://schemas.microsoft.com/office/drawing/2014/main" id="{0E5AE733-F22D-304D-A0C8-C5994BE83FBA}"/>
+              </a:ext>
+            </a:extLst>
+          </p:cNvPr>
+          <p:cNvSpPr txBox="1">
+            <a:spLocks/>
+          </p:cNvSpPr>
+          <p:nvPr/>
+        </p:nvSpPr>
+        <p:spPr>
+          <a:xfrm>
+            <a:off x="838200" y="2054753"/>
+            <a:ext cx="1930167" cy="2748493"/>
+          </a:xfrm>
+          <a:prstGeom prst="rect">
+            <a:avLst/>
+          </a:prstGeom>
+        </p:spPr>
+        <p:txBody>
+          <a:bodyPr anchor="ctr"/>
+          <a:lstStyle>
+            <a:lvl1pPr marL="228600" indent="-228600" algn="l" defTabSz="914400" rtl="0" eaLnBrk="1" latinLnBrk="1" hangingPunct="1">
+              <a:lnSpc>
+                <a:spcPct val="90000"/>
+              </a:lnSpc>
+              <a:spcBef>
+                <a:spcPts val="1000"/>
+              </a:spcBef>
+              <a:buFont typeface="Arial" panose="020B0604020202020204" pitchFamily="34" charset="0"/>
+              <a:buChar char="•"/>
+              <a:defRPr sz="2800" kern="1200">
+                <a:solidFill>
+                  <a:schemeClr val="tx1"/>
+                </a:solidFill>
+                <a:latin typeface="+mn-lt"/>
+                <a:ea typeface="+mn-ea"/>
+                <a:cs typeface="+mn-cs"/>
+              </a:defRPr>
+            </a:lvl1pPr>
+            <a:lvl2pPr marL="685800" indent="-228600" algn="l" defTabSz="914400" rtl="0" eaLnBrk="1" latinLnBrk="1" hangingPunct="1">
+              <a:lnSpc>
+                <a:spcPct val="90000"/>
+              </a:lnSpc>
+              <a:spcBef>
+                <a:spcPts val="500"/>
+              </a:spcBef>
+              <a:buFont typeface="Arial" panose="020B0604020202020204" pitchFamily="34" charset="0"/>
+              <a:buChar char="•"/>
+              <a:defRPr sz="2400" kern="1200">
+                <a:solidFill>
+                  <a:schemeClr val="tx1"/>
+                </a:solidFill>
+                <a:latin typeface="+mn-lt"/>
+                <a:ea typeface="+mn-ea"/>
+                <a:cs typeface="+mn-cs"/>
+              </a:defRPr>
+            </a:lvl2pPr>
+            <a:lvl3pPr marL="1143000" indent="-228600" algn="l" defTabSz="914400" rtl="0" eaLnBrk="1" latinLnBrk="1" hangingPunct="1">
+              <a:lnSpc>
+                <a:spcPct val="90000"/>
+              </a:lnSpc>
+              <a:spcBef>
+                <a:spcPts val="500"/>
+              </a:spcBef>
+              <a:buFont typeface="Arial" panose="020B0604020202020204" pitchFamily="34" charset="0"/>
+              <a:buChar char="•"/>
+              <a:defRPr sz="2000" kern="1200">
+                <a:solidFill>
+                  <a:schemeClr val="tx1"/>
+                </a:solidFill>
+                <a:latin typeface="+mn-lt"/>
+                <a:ea typeface="+mn-ea"/>
+                <a:cs typeface="+mn-cs"/>
+              </a:defRPr>
+            </a:lvl3pPr>
+            <a:lvl4pPr marL="1600200" indent="-228600" algn="l" defTabSz="914400" rtl="0" eaLnBrk="1" latinLnBrk="1" hangingPunct="1">
+              <a:lnSpc>
+                <a:spcPct val="90000"/>
+              </a:lnSpc>
+              <a:spcBef>
+                <a:spcPts val="500"/>
+              </a:spcBef>
+              <a:buFont typeface="Arial" panose="020B0604020202020204" pitchFamily="34" charset="0"/>
+              <a:buChar char="•"/>
+              <a:defRPr sz="1800" kern="1200">
+                <a:solidFill>
+                  <a:schemeClr val="tx1"/>
+                </a:solidFill>
+                <a:latin typeface="+mn-lt"/>
+                <a:ea typeface="+mn-ea"/>
+                <a:cs typeface="+mn-cs"/>
+              </a:defRPr>
+            </a:lvl4pPr>
+            <a:lvl5pPr marL="2057400" indent="-228600" algn="l" defTabSz="914400" rtl="0" eaLnBrk="1" latinLnBrk="1" hangingPunct="1">
+              <a:lnSpc>
+                <a:spcPct val="90000"/>
+              </a:lnSpc>
+              <a:spcBef>
+                <a:spcPts val="500"/>
+              </a:spcBef>
+              <a:buFont typeface="Arial" panose="020B0604020202020204" pitchFamily="34" charset="0"/>
+              <a:buChar char="•"/>
+              <a:defRPr sz="1800" kern="1200">
+                <a:solidFill>
+                  <a:schemeClr val="tx1"/>
+                </a:solidFill>
+                <a:latin typeface="+mn-lt"/>
+                <a:ea typeface="+mn-ea"/>
+                <a:cs typeface="+mn-cs"/>
+              </a:defRPr>
+            </a:lvl5pPr>
+            <a:lvl6pPr marL="2514600" indent="-228600" algn="l" defTabSz="914400" rtl="0" eaLnBrk="1" latinLnBrk="1" hangingPunct="1">
+              <a:lnSpc>
+                <a:spcPct val="90000"/>
+              </a:lnSpc>
+              <a:spcBef>
+                <a:spcPts val="500"/>
+              </a:spcBef>
+              <a:buFont typeface="Arial" panose="020B0604020202020204" pitchFamily="34" charset="0"/>
+              <a:buChar char="•"/>
+              <a:defRPr sz="1800" kern="1200">
+                <a:solidFill>
+                  <a:schemeClr val="tx1"/>
+                </a:solidFill>
+                <a:latin typeface="+mn-lt"/>
+                <a:ea typeface="+mn-ea"/>
+                <a:cs typeface="+mn-cs"/>
+              </a:defRPr>
+            </a:lvl6pPr>
+            <a:lvl7pPr marL="2971800" indent="-228600" algn="l" defTabSz="914400" rtl="0" eaLnBrk="1" latinLnBrk="1" hangingPunct="1">
+              <a:lnSpc>
+                <a:spcPct val="90000"/>
+              </a:lnSpc>
+              <a:spcBef>
+                <a:spcPts val="500"/>
+              </a:spcBef>
+              <a:buFont typeface="Arial" panose="020B0604020202020204" pitchFamily="34" charset="0"/>
+              <a:buChar char="•"/>
+              <a:defRPr sz="1800" kern="1200">
+                <a:solidFill>
+                  <a:schemeClr val="tx1"/>
+                </a:solidFill>
+                <a:latin typeface="+mn-lt"/>
+                <a:ea typeface="+mn-ea"/>
+                <a:cs typeface="+mn-cs"/>
+              </a:defRPr>
+            </a:lvl7pPr>
+            <a:lvl8pPr marL="3429000" indent="-228600" algn="l" defTabSz="914400" rtl="0" eaLnBrk="1" latinLnBrk="1" hangingPunct="1">
+              <a:lnSpc>
+                <a:spcPct val="90000"/>
+              </a:lnSpc>
+              <a:spcBef>
+                <a:spcPts val="500"/>
+              </a:spcBef>
+              <a:buFont typeface="Arial" panose="020B0604020202020204" pitchFamily="34" charset="0"/>
+              <a:buChar char="•"/>
+              <a:defRPr sz="1800" kern="1200">
+                <a:solidFill>
+                  <a:schemeClr val="tx1"/>
+                </a:solidFill>
+                <a:latin typeface="+mn-lt"/>
+                <a:ea typeface="+mn-ea"/>
+                <a:cs typeface="+mn-cs"/>
+              </a:defRPr>
+            </a:lvl8pPr>
+            <a:lvl9pPr marL="3886200" indent="-228600" algn="l" defTabSz="914400" rtl="0" eaLnBrk="1" latinLnBrk="1" hangingPunct="1">
+              <a:lnSpc>
+                <a:spcPct val="90000"/>
+              </a:lnSpc>
+              <a:spcBef>
+                <a:spcPts val="500"/>
+              </a:spcBef>
+              <a:buFont typeface="Arial" panose="020B0604020202020204" pitchFamily="34" charset="0"/>
+              <a:buChar char="•"/>
+              <a:defRPr sz="1800" kern="1200">
+                <a:solidFill>
+                  <a:schemeClr val="tx1"/>
+                </a:solidFill>
+                <a:latin typeface="+mn-lt"/>
+                <a:ea typeface="+mn-ea"/>
+                <a:cs typeface="+mn-cs"/>
+              </a:defRPr>
+            </a:lvl9pPr>
+          </a:lstStyle>
+          <a:p>
+            <a:pPr marL="0" indent="0">
+              <a:buNone/>
+            </a:pPr>
+            <a:r>
+              <a:rPr lang="en-US" altLang="ko-KR" dirty="0">
+                <a:solidFill>
+                  <a:schemeClr val="bg1"/>
+                </a:solidFill>
+                <a:latin typeface="helvetica" panose="020B0604020202020204" pitchFamily="34" charset="0"/>
+                <a:cs typeface="helvetica" panose="020B0604020202020204" pitchFamily="34" charset="0"/>
+              </a:rPr>
+              <a:t>Click Node</a:t>
+            </a:r>
+            <a:endParaRPr lang="ko-KR" altLang="en-US" dirty="0">
+              <a:solidFill>
+                <a:schemeClr val="bg1"/>
+              </a:solidFill>
+              <a:latin typeface="helvetica" panose="020B0604020202020204" pitchFamily="34" charset="0"/>
+              <a:cs typeface="helvetica" panose="020B0604020202020204" pitchFamily="34" charset="0"/>
+            </a:endParaRPr>
+          </a:p>
+        </p:txBody>
+      </p:sp>
+      <p:sp>
+        <p:nvSpPr>
+          <p:cNvPr id="9" name="내용 개체 틀 2">
+            <a:extLst>
+              <a:ext uri="{FF2B5EF4-FFF2-40B4-BE49-F238E27FC236}">
+                <a16:creationId xmlns:a16="http://schemas.microsoft.com/office/drawing/2014/main" id="{D448A1DC-6284-7A47-B0CE-F532EB6F7DEC}"/>
+              </a:ext>
+            </a:extLst>
+          </p:cNvPr>
+          <p:cNvSpPr txBox="1">
+            <a:spLocks/>
+          </p:cNvSpPr>
+          <p:nvPr/>
+        </p:nvSpPr>
+        <p:spPr>
+          <a:xfrm>
+            <a:off x="6515100" y="2131652"/>
+            <a:ext cx="3981449" cy="2748493"/>
+          </a:xfrm>
+          <a:prstGeom prst="rect">
+            <a:avLst/>
+          </a:prstGeom>
+        </p:spPr>
+        <p:txBody>
+          <a:bodyPr anchor="ctr"/>
+          <a:lstStyle>
+            <a:lvl1pPr marL="228600" indent="-228600" algn="l" defTabSz="914400" rtl="0" eaLnBrk="1" latinLnBrk="1" hangingPunct="1">
+              <a:lnSpc>
+                <a:spcPct val="90000"/>
+              </a:lnSpc>
+              <a:spcBef>
+                <a:spcPts val="1000"/>
+              </a:spcBef>
+              <a:buFont typeface="Arial" panose="020B0604020202020204" pitchFamily="34" charset="0"/>
+              <a:buChar char="•"/>
+              <a:defRPr sz="2800" kern="1200">
+                <a:solidFill>
+                  <a:schemeClr val="tx1"/>
+                </a:solidFill>
+                <a:latin typeface="+mn-lt"/>
+                <a:ea typeface="+mn-ea"/>
+                <a:cs typeface="+mn-cs"/>
+              </a:defRPr>
+            </a:lvl1pPr>
+            <a:lvl2pPr marL="685800" indent="-228600" algn="l" defTabSz="914400" rtl="0" eaLnBrk="1" latinLnBrk="1" hangingPunct="1">
+              <a:lnSpc>
+                <a:spcPct val="90000"/>
+              </a:lnSpc>
+              <a:spcBef>
+                <a:spcPts val="500"/>
+              </a:spcBef>
+              <a:buFont typeface="Arial" panose="020B0604020202020204" pitchFamily="34" charset="0"/>
+              <a:buChar char="•"/>
+              <a:defRPr sz="2400" kern="1200">
+                <a:solidFill>
+                  <a:schemeClr val="tx1"/>
+                </a:solidFill>
+                <a:latin typeface="+mn-lt"/>
+                <a:ea typeface="+mn-ea"/>
+                <a:cs typeface="+mn-cs"/>
+              </a:defRPr>
+            </a:lvl2pPr>
+            <a:lvl3pPr marL="1143000" indent="-228600" algn="l" defTabSz="914400" rtl="0" eaLnBrk="1" latinLnBrk="1" hangingPunct="1">
+              <a:lnSpc>
+                <a:spcPct val="90000"/>
+              </a:lnSpc>
+              <a:spcBef>
+                <a:spcPts val="500"/>
+              </a:spcBef>
+              <a:buFont typeface="Arial" panose="020B0604020202020204" pitchFamily="34" charset="0"/>
+              <a:buChar char="•"/>
+              <a:defRPr sz="2000" kern="1200">
+                <a:solidFill>
+                  <a:schemeClr val="tx1"/>
+                </a:solidFill>
+                <a:latin typeface="+mn-lt"/>
+                <a:ea typeface="+mn-ea"/>
+                <a:cs typeface="+mn-cs"/>
+              </a:defRPr>
+            </a:lvl3pPr>
+            <a:lvl4pPr marL="1600200" indent="-228600" algn="l" defTabSz="914400" rtl="0" eaLnBrk="1" latinLnBrk="1" hangingPunct="1">
+              <a:lnSpc>
+                <a:spcPct val="90000"/>
+              </a:lnSpc>
+              <a:spcBef>
+                <a:spcPts val="500"/>
+              </a:spcBef>
+              <a:buFont typeface="Arial" panose="020B0604020202020204" pitchFamily="34" charset="0"/>
+              <a:buChar char="•"/>
+              <a:defRPr sz="1800" kern="1200">
+                <a:solidFill>
+                  <a:schemeClr val="tx1"/>
+                </a:solidFill>
+                <a:latin typeface="+mn-lt"/>
+                <a:ea typeface="+mn-ea"/>
+                <a:cs typeface="+mn-cs"/>
+              </a:defRPr>
+            </a:lvl4pPr>
+            <a:lvl5pPr marL="2057400" indent="-228600" algn="l" defTabSz="914400" rtl="0" eaLnBrk="1" latinLnBrk="1" hangingPunct="1">
+              <a:lnSpc>
+                <a:spcPct val="90000"/>
+              </a:lnSpc>
+              <a:spcBef>
+                <a:spcPts val="500"/>
+              </a:spcBef>
+              <a:buFont typeface="Arial" panose="020B0604020202020204" pitchFamily="34" charset="0"/>
+              <a:buChar char="•"/>
+              <a:defRPr sz="1800" kern="1200">
+                <a:solidFill>
+                  <a:schemeClr val="tx1"/>
+                </a:solidFill>
+                <a:latin typeface="+mn-lt"/>
+                <a:ea typeface="+mn-ea"/>
+                <a:cs typeface="+mn-cs"/>
+              </a:defRPr>
+            </a:lvl5pPr>
+            <a:lvl6pPr marL="2514600" indent="-228600" algn="l" defTabSz="914400" rtl="0" eaLnBrk="1" latinLnBrk="1" hangingPunct="1">
+              <a:lnSpc>
+                <a:spcPct val="90000"/>
+              </a:lnSpc>
+              <a:spcBef>
+                <a:spcPts val="500"/>
+              </a:spcBef>
+              <a:buFont typeface="Arial" panose="020B0604020202020204" pitchFamily="34" charset="0"/>
+              <a:buChar char="•"/>
+              <a:defRPr sz="1800" kern="1200">
+                <a:solidFill>
+                  <a:schemeClr val="tx1"/>
+                </a:solidFill>
+                <a:latin typeface="+mn-lt"/>
+                <a:ea typeface="+mn-ea"/>
+                <a:cs typeface="+mn-cs"/>
+              </a:defRPr>
+            </a:lvl6pPr>
+            <a:lvl7pPr marL="2971800" indent="-228600" algn="l" defTabSz="914400" rtl="0" eaLnBrk="1" latinLnBrk="1" hangingPunct="1">
+              <a:lnSpc>
+                <a:spcPct val="90000"/>
+              </a:lnSpc>
+              <a:spcBef>
+                <a:spcPts val="500"/>
+              </a:spcBef>
+              <a:buFont typeface="Arial" panose="020B0604020202020204" pitchFamily="34" charset="0"/>
+              <a:buChar char="•"/>
+              <a:defRPr sz="1800" kern="1200">
+                <a:solidFill>
+                  <a:schemeClr val="tx1"/>
+                </a:solidFill>
+                <a:latin typeface="+mn-lt"/>
+                <a:ea typeface="+mn-ea"/>
+                <a:cs typeface="+mn-cs"/>
+              </a:defRPr>
+            </a:lvl7pPr>
+            <a:lvl8pPr marL="3429000" indent="-228600" algn="l" defTabSz="914400" rtl="0" eaLnBrk="1" latinLnBrk="1" hangingPunct="1">
+              <a:lnSpc>
+                <a:spcPct val="90000"/>
+              </a:lnSpc>
+              <a:spcBef>
+                <a:spcPts val="500"/>
+              </a:spcBef>
+              <a:buFont typeface="Arial" panose="020B0604020202020204" pitchFamily="34" charset="0"/>
+              <a:buChar char="•"/>
+              <a:defRPr sz="1800" kern="1200">
+                <a:solidFill>
+                  <a:schemeClr val="tx1"/>
+                </a:solidFill>
+                <a:latin typeface="+mn-lt"/>
+                <a:ea typeface="+mn-ea"/>
+                <a:cs typeface="+mn-cs"/>
+              </a:defRPr>
+            </a:lvl8pPr>
+            <a:lvl9pPr marL="3886200" indent="-228600" algn="l" defTabSz="914400" rtl="0" eaLnBrk="1" latinLnBrk="1" hangingPunct="1">
+              <a:lnSpc>
+                <a:spcPct val="90000"/>
+              </a:lnSpc>
+              <a:spcBef>
+                <a:spcPts val="500"/>
+              </a:spcBef>
+              <a:buFont typeface="Arial" panose="020B0604020202020204" pitchFamily="34" charset="0"/>
+              <a:buChar char="•"/>
+              <a:defRPr sz="1800" kern="1200">
+                <a:solidFill>
+                  <a:schemeClr val="tx1"/>
+                </a:solidFill>
+                <a:latin typeface="+mn-lt"/>
+                <a:ea typeface="+mn-ea"/>
+                <a:cs typeface="+mn-cs"/>
+              </a:defRPr>
+            </a:lvl9pPr>
+          </a:lstStyle>
+          <a:p>
+            <a:r>
+              <a:rPr lang="en-US" altLang="ko-KR" dirty="0">
+                <a:solidFill>
+                  <a:schemeClr val="bg1"/>
+                </a:solidFill>
+                <a:latin typeface="helvetica" panose="020B0604020202020204" pitchFamily="34" charset="0"/>
+                <a:cs typeface="helvetica" panose="020B0604020202020204" pitchFamily="34" charset="0"/>
+              </a:rPr>
+              <a:t>Odds</a:t>
+            </a:r>
+          </a:p>
+          <a:p>
+            <a:r>
+              <a:rPr lang="en-US" altLang="ko-KR" dirty="0">
+                <a:solidFill>
+                  <a:schemeClr val="bg1"/>
+                </a:solidFill>
+                <a:latin typeface="helvetica" panose="020B0604020202020204" pitchFamily="34" charset="0"/>
+                <a:cs typeface="helvetica" panose="020B0604020202020204" pitchFamily="34" charset="0"/>
+              </a:rPr>
+              <a:t>No connection</a:t>
+            </a:r>
+          </a:p>
+          <a:p>
+            <a:r>
+              <a:rPr lang="en-US" altLang="ko-KR" dirty="0">
+                <a:solidFill>
+                  <a:schemeClr val="bg1"/>
+                </a:solidFill>
+                <a:latin typeface="helvetica" panose="020B0604020202020204" pitchFamily="34" charset="0"/>
+                <a:cs typeface="helvetica" panose="020B0604020202020204" pitchFamily="34" charset="0"/>
+              </a:rPr>
+              <a:t>Counter team</a:t>
+            </a:r>
+          </a:p>
+          <a:p>
+            <a:r>
+              <a:rPr lang="en-US" altLang="ko-KR" dirty="0">
+                <a:solidFill>
+                  <a:schemeClr val="bg1"/>
+                </a:solidFill>
+                <a:latin typeface="helvetica" panose="020B0604020202020204" pitchFamily="34" charset="0"/>
+                <a:cs typeface="helvetica" panose="020B0604020202020204" pitchFamily="34" charset="0"/>
+              </a:rPr>
+              <a:t>Warmonger</a:t>
+            </a:r>
+          </a:p>
+          <a:p>
+            <a:r>
+              <a:rPr lang="en-US" altLang="ko-KR" dirty="0">
+                <a:solidFill>
+                  <a:schemeClr val="bg1"/>
+                </a:solidFill>
+                <a:latin typeface="helvetica" panose="020B0604020202020204" pitchFamily="34" charset="0"/>
+                <a:cs typeface="helvetica" panose="020B0604020202020204" pitchFamily="34" charset="0"/>
+              </a:rPr>
+              <a:t>Pacifist</a:t>
+            </a:r>
+            <a:endParaRPr lang="ko-KR" altLang="en-US" dirty="0">
+              <a:solidFill>
+                <a:schemeClr val="bg1"/>
+              </a:solidFill>
+              <a:latin typeface="helvetica" panose="020B0604020202020204" pitchFamily="34" charset="0"/>
+              <a:cs typeface="helvetica" panose="020B0604020202020204" pitchFamily="34" charset="0"/>
+            </a:endParaRPr>
+          </a:p>
+        </p:txBody>
+      </p:sp>
     </p:spTree>
     <p:extLst>
       <p:ext uri="{BB962C8B-B14F-4D97-AF65-F5344CB8AC3E}">
@@ -6141,6 +6670,456 @@
 </file>
 
 <file path=ppt/slides/slide8.xml><?xml version="1.0" encoding="utf-8"?>
+<p:sld xmlns:a="http://schemas.openxmlformats.org/drawingml/2006/main" xmlns:r="http://schemas.openxmlformats.org/officeDocument/2006/relationships" xmlns:p="http://schemas.openxmlformats.org/presentationml/2006/main">
+  <p:cSld>
+    <p:spTree>
+      <p:nvGrpSpPr>
+        <p:cNvPr id="1" name=""/>
+        <p:cNvGrpSpPr/>
+        <p:nvPr/>
+      </p:nvGrpSpPr>
+      <p:grpSpPr>
+        <a:xfrm>
+          <a:off x="0" y="0"/>
+          <a:ext cx="0" cy="0"/>
+          <a:chOff x="0" y="0"/>
+          <a:chExt cx="0" cy="0"/>
+        </a:xfrm>
+      </p:grpSpPr>
+      <p:sp>
+        <p:nvSpPr>
+          <p:cNvPr id="6" name="직사각형 5">
+            <a:extLst>
+              <a:ext uri="{FF2B5EF4-FFF2-40B4-BE49-F238E27FC236}">
+                <a16:creationId xmlns:a16="http://schemas.microsoft.com/office/drawing/2014/main" id="{93FD60D2-BBD0-4153-99BC-69CB5966D57A}"/>
+              </a:ext>
+            </a:extLst>
+          </p:cNvPr>
+          <p:cNvSpPr/>
+          <p:nvPr/>
+        </p:nvSpPr>
+        <p:spPr>
+          <a:xfrm>
+            <a:off x="0" y="0"/>
+            <a:ext cx="12192000" cy="6858000"/>
+          </a:xfrm>
+          <a:prstGeom prst="rect">
+            <a:avLst/>
+          </a:prstGeom>
+          <a:solidFill>
+            <a:srgbClr val="10232C"/>
+          </a:solidFill>
+          <a:ln>
+            <a:noFill/>
+          </a:ln>
+        </p:spPr>
+        <p:style>
+          <a:lnRef idx="2">
+            <a:schemeClr val="accent1">
+              <a:shade val="50000"/>
+            </a:schemeClr>
+          </a:lnRef>
+          <a:fillRef idx="1">
+            <a:schemeClr val="accent1"/>
+          </a:fillRef>
+          <a:effectRef idx="0">
+            <a:schemeClr val="accent1"/>
+          </a:effectRef>
+          <a:fontRef idx="minor">
+            <a:schemeClr val="lt1"/>
+          </a:fontRef>
+        </p:style>
+        <p:txBody>
+          <a:bodyPr rtlCol="0" anchor="ctr"/>
+          <a:lstStyle/>
+          <a:p>
+            <a:pPr algn="ctr"/>
+            <a:endParaRPr lang="ko-KR" altLang="en-US" dirty="0">
+              <a:latin typeface="helvetica" panose="020B0604020202020204" pitchFamily="34" charset="0"/>
+              <a:cs typeface="helvetica" panose="020B0604020202020204" pitchFamily="34" charset="0"/>
+            </a:endParaRPr>
+          </a:p>
+        </p:txBody>
+      </p:sp>
+      <p:sp>
+        <p:nvSpPr>
+          <p:cNvPr id="4" name="제목 3">
+            <a:extLst>
+              <a:ext uri="{FF2B5EF4-FFF2-40B4-BE49-F238E27FC236}">
+                <a16:creationId xmlns:a16="http://schemas.microsoft.com/office/drawing/2014/main" id="{01352715-472E-4054-8508-F8363F27CCFA}"/>
+              </a:ext>
+            </a:extLst>
+          </p:cNvPr>
+          <p:cNvSpPr>
+            <a:spLocks noGrp="1"/>
+          </p:cNvSpPr>
+          <p:nvPr>
+            <p:ph type="title"/>
+          </p:nvPr>
+        </p:nvSpPr>
+        <p:spPr>
+          <a:xfrm>
+            <a:off x="838200" y="365125"/>
+            <a:ext cx="10515600" cy="625475"/>
+          </a:xfrm>
+        </p:spPr>
+        <p:txBody>
+          <a:bodyPr/>
+          <a:lstStyle/>
+          <a:p>
+            <a:r>
+              <a:rPr lang="en-US" altLang="ko-KR" dirty="0">
+                <a:solidFill>
+                  <a:schemeClr val="bg1"/>
+                </a:solidFill>
+                <a:latin typeface="helvetica" panose="020B0604020202020204" pitchFamily="34" charset="0"/>
+                <a:cs typeface="helvetica" panose="020B0604020202020204" pitchFamily="34" charset="0"/>
+              </a:rPr>
+              <a:t>TO DO</a:t>
+            </a:r>
+            <a:endParaRPr lang="ko-KR" altLang="en-US" dirty="0">
+              <a:solidFill>
+                <a:schemeClr val="bg1"/>
+              </a:solidFill>
+              <a:latin typeface="helvetica" panose="020B0604020202020204" pitchFamily="34" charset="0"/>
+              <a:cs typeface="helvetica" panose="020B0604020202020204" pitchFamily="34" charset="0"/>
+            </a:endParaRPr>
+          </a:p>
+        </p:txBody>
+      </p:sp>
+      <p:sp>
+        <p:nvSpPr>
+          <p:cNvPr id="7" name="직사각형 6">
+            <a:extLst>
+              <a:ext uri="{FF2B5EF4-FFF2-40B4-BE49-F238E27FC236}">
+                <a16:creationId xmlns:a16="http://schemas.microsoft.com/office/drawing/2014/main" id="{D94655CE-FBF6-4753-A7FC-666F0D178E57}"/>
+              </a:ext>
+            </a:extLst>
+          </p:cNvPr>
+          <p:cNvSpPr/>
+          <p:nvPr/>
+        </p:nvSpPr>
+        <p:spPr>
+          <a:xfrm>
+            <a:off x="959378" y="933765"/>
+            <a:ext cx="1569243" cy="56835"/>
+          </a:xfrm>
+          <a:prstGeom prst="rect">
+            <a:avLst/>
+          </a:prstGeom>
+          <a:solidFill>
+            <a:schemeClr val="bg1"/>
+          </a:solidFill>
+          <a:ln>
+            <a:noFill/>
+          </a:ln>
+        </p:spPr>
+        <p:style>
+          <a:lnRef idx="2">
+            <a:schemeClr val="accent1">
+              <a:shade val="50000"/>
+            </a:schemeClr>
+          </a:lnRef>
+          <a:fillRef idx="1">
+            <a:schemeClr val="accent1"/>
+          </a:fillRef>
+          <a:effectRef idx="0">
+            <a:schemeClr val="accent1"/>
+          </a:effectRef>
+          <a:fontRef idx="minor">
+            <a:schemeClr val="lt1"/>
+          </a:fontRef>
+        </p:style>
+        <p:txBody>
+          <a:bodyPr rtlCol="0" anchor="ctr"/>
+          <a:lstStyle/>
+          <a:p>
+            <a:pPr algn="ctr"/>
+            <a:endParaRPr lang="ko-KR" altLang="en-US">
+              <a:latin typeface="helvetica" panose="020B0604020202020204" pitchFamily="34" charset="0"/>
+              <a:cs typeface="helvetica" panose="020B0604020202020204" pitchFamily="34" charset="0"/>
+            </a:endParaRPr>
+          </a:p>
+        </p:txBody>
+      </p:sp>
+      <p:sp>
+        <p:nvSpPr>
+          <p:cNvPr id="10" name="TextBox 9">
+            <a:extLst>
+              <a:ext uri="{FF2B5EF4-FFF2-40B4-BE49-F238E27FC236}">
+                <a16:creationId xmlns:a16="http://schemas.microsoft.com/office/drawing/2014/main" id="{A7B75C57-CDDF-C541-B35E-0B6E7D88A85C}"/>
+              </a:ext>
+            </a:extLst>
+          </p:cNvPr>
+          <p:cNvSpPr txBox="1"/>
+          <p:nvPr/>
+        </p:nvSpPr>
+        <p:spPr>
+          <a:xfrm>
+            <a:off x="838200" y="2490418"/>
+            <a:ext cx="6426666" cy="707886"/>
+          </a:xfrm>
+          <a:prstGeom prst="rect">
+            <a:avLst/>
+          </a:prstGeom>
+          <a:noFill/>
+        </p:spPr>
+        <p:txBody>
+          <a:bodyPr wrap="square" rtlCol="0">
+            <a:spAutoFit/>
+          </a:bodyPr>
+          <a:lstStyle/>
+          <a:p>
+            <a:r>
+              <a:rPr kumimoji="1" lang="en-US" altLang="ko-KR" sz="2000" dirty="0">
+                <a:solidFill>
+                  <a:schemeClr val="bg1"/>
+                </a:solidFill>
+                <a:latin typeface="Helvetica" pitchFamily="2" charset="0"/>
+              </a:rPr>
+              <a:t>/GET</a:t>
+            </a:r>
+            <a:r>
+              <a:rPr kumimoji="1" lang="en-US" altLang="ko-KR" sz="2000" b="1" dirty="0">
+                <a:solidFill>
+                  <a:schemeClr val="bg1"/>
+                </a:solidFill>
+                <a:latin typeface="Helvetica" pitchFamily="2" charset="0"/>
+              </a:rPr>
+              <a:t> /matches/&lt;</a:t>
+            </a:r>
+            <a:r>
+              <a:rPr kumimoji="1" lang="en-US" altLang="ko-KR" sz="2000" b="1" dirty="0" err="1">
+                <a:solidFill>
+                  <a:schemeClr val="bg1"/>
+                </a:solidFill>
+                <a:latin typeface="Helvetica" pitchFamily="2" charset="0"/>
+              </a:rPr>
+              <a:t>int:year</a:t>
+            </a:r>
+            <a:r>
+              <a:rPr kumimoji="1" lang="en-US" altLang="ko-KR" sz="2000" b="1" dirty="0">
+                <a:solidFill>
+                  <a:schemeClr val="bg1"/>
+                </a:solidFill>
+                <a:latin typeface="Helvetica" pitchFamily="2" charset="0"/>
+              </a:rPr>
+              <a:t>&gt;/&lt;</a:t>
+            </a:r>
+            <a:r>
+              <a:rPr kumimoji="1" lang="en-US" altLang="ko-KR" sz="2000" b="1" dirty="0" err="1">
+                <a:solidFill>
+                  <a:schemeClr val="bg1"/>
+                </a:solidFill>
+                <a:latin typeface="Helvetica" pitchFamily="2" charset="0"/>
+              </a:rPr>
+              <a:t>str:league</a:t>
+            </a:r>
+            <a:r>
+              <a:rPr kumimoji="1" lang="en-US" altLang="ko-KR" sz="2000" b="1" dirty="0">
+                <a:solidFill>
+                  <a:schemeClr val="bg1"/>
+                </a:solidFill>
+                <a:latin typeface="Helvetica" pitchFamily="2" charset="0"/>
+              </a:rPr>
+              <a:t>&gt;</a:t>
+            </a:r>
+          </a:p>
+          <a:p>
+            <a:r>
+              <a:rPr kumimoji="1" lang="en-US" altLang="ko-KR" sz="2000" b="1" dirty="0">
+                <a:solidFill>
+                  <a:schemeClr val="bg1"/>
+                </a:solidFill>
+                <a:latin typeface="Helvetica" pitchFamily="2" charset="0"/>
+              </a:rPr>
+              <a:t>- </a:t>
+            </a:r>
+            <a:r>
+              <a:rPr kumimoji="1" lang="ko-KR" altLang="en-US" sz="2000" b="1" dirty="0">
+                <a:solidFill>
+                  <a:schemeClr val="bg1"/>
+                </a:solidFill>
+                <a:latin typeface="Helvetica" pitchFamily="2" charset="0"/>
+              </a:rPr>
+              <a:t>해당 연도의 특정 리그의 매치 데이터 반환</a:t>
+            </a:r>
+          </a:p>
+        </p:txBody>
+      </p:sp>
+      <p:sp>
+        <p:nvSpPr>
+          <p:cNvPr id="11" name="TextBox 10">
+            <a:extLst>
+              <a:ext uri="{FF2B5EF4-FFF2-40B4-BE49-F238E27FC236}">
+                <a16:creationId xmlns:a16="http://schemas.microsoft.com/office/drawing/2014/main" id="{74414476-F52D-DE42-BC57-6609AC698EA5}"/>
+              </a:ext>
+            </a:extLst>
+          </p:cNvPr>
+          <p:cNvSpPr txBox="1"/>
+          <p:nvPr/>
+        </p:nvSpPr>
+        <p:spPr>
+          <a:xfrm>
+            <a:off x="838200" y="3429000"/>
+            <a:ext cx="7391400" cy="707886"/>
+          </a:xfrm>
+          <a:prstGeom prst="rect">
+            <a:avLst/>
+          </a:prstGeom>
+          <a:noFill/>
+        </p:spPr>
+        <p:txBody>
+          <a:bodyPr wrap="square" rtlCol="0">
+            <a:spAutoFit/>
+          </a:bodyPr>
+          <a:lstStyle/>
+          <a:p>
+            <a:r>
+              <a:rPr kumimoji="1" lang="en-US" altLang="ko-KR" sz="2000" dirty="0">
+                <a:solidFill>
+                  <a:schemeClr val="bg1"/>
+                </a:solidFill>
+                <a:latin typeface="Helvetica" pitchFamily="2" charset="0"/>
+              </a:rPr>
+              <a:t>/GET</a:t>
+            </a:r>
+            <a:r>
+              <a:rPr kumimoji="1" lang="en-US" altLang="ko-KR" sz="2000" b="1" dirty="0">
+                <a:solidFill>
+                  <a:schemeClr val="bg1"/>
+                </a:solidFill>
+                <a:latin typeface="Helvetica" pitchFamily="2" charset="0"/>
+              </a:rPr>
+              <a:t> /matches/&lt;</a:t>
+            </a:r>
+            <a:r>
+              <a:rPr kumimoji="1" lang="en-US" altLang="ko-KR" sz="2000" b="1" dirty="0" err="1">
+                <a:solidFill>
+                  <a:schemeClr val="bg1"/>
+                </a:solidFill>
+                <a:latin typeface="Helvetica" pitchFamily="2" charset="0"/>
+              </a:rPr>
+              <a:t>int:year</a:t>
+            </a:r>
+            <a:r>
+              <a:rPr kumimoji="1" lang="en-US" altLang="ko-KR" sz="2000" b="1" dirty="0">
+                <a:solidFill>
+                  <a:schemeClr val="bg1"/>
+                </a:solidFill>
+                <a:latin typeface="Helvetica" pitchFamily="2" charset="0"/>
+              </a:rPr>
+              <a:t>&gt;/&lt;</a:t>
+            </a:r>
+            <a:r>
+              <a:rPr kumimoji="1" lang="en-US" altLang="ko-KR" sz="2000" b="1" dirty="0" err="1">
+                <a:solidFill>
+                  <a:schemeClr val="bg1"/>
+                </a:solidFill>
+                <a:latin typeface="Helvetica" pitchFamily="2" charset="0"/>
+              </a:rPr>
+              <a:t>str:league</a:t>
+            </a:r>
+            <a:r>
+              <a:rPr kumimoji="1" lang="en-US" altLang="ko-KR" sz="2000" b="1" dirty="0">
+                <a:solidFill>
+                  <a:schemeClr val="bg1"/>
+                </a:solidFill>
+                <a:latin typeface="Helvetica" pitchFamily="2" charset="0"/>
+              </a:rPr>
+              <a:t>&gt;/&lt;</a:t>
+            </a:r>
+            <a:r>
+              <a:rPr kumimoji="1" lang="en-US" altLang="ko-KR" sz="2000" b="1" dirty="0" err="1">
+                <a:solidFill>
+                  <a:schemeClr val="bg1"/>
+                </a:solidFill>
+                <a:latin typeface="Helvetica" pitchFamily="2" charset="0"/>
+              </a:rPr>
+              <a:t>str:season</a:t>
+            </a:r>
+            <a:r>
+              <a:rPr kumimoji="1" lang="en-US" altLang="ko-KR" sz="2000" b="1" dirty="0">
+                <a:solidFill>
+                  <a:schemeClr val="bg1"/>
+                </a:solidFill>
+                <a:latin typeface="Helvetica" pitchFamily="2" charset="0"/>
+              </a:rPr>
+              <a:t>&gt;</a:t>
+            </a:r>
+          </a:p>
+          <a:p>
+            <a:r>
+              <a:rPr kumimoji="1" lang="en-US" altLang="ko-KR" sz="2000" b="1" dirty="0">
+                <a:solidFill>
+                  <a:schemeClr val="bg1"/>
+                </a:solidFill>
+                <a:latin typeface="Helvetica" pitchFamily="2" charset="0"/>
+              </a:rPr>
+              <a:t>- </a:t>
+            </a:r>
+            <a:r>
+              <a:rPr kumimoji="1" lang="ko-KR" altLang="en-US" sz="2000" b="1" dirty="0">
+                <a:solidFill>
+                  <a:schemeClr val="bg1"/>
+                </a:solidFill>
+                <a:latin typeface="Helvetica" pitchFamily="2" charset="0"/>
+              </a:rPr>
+              <a:t>해당 연도</a:t>
+            </a:r>
+            <a:r>
+              <a:rPr kumimoji="1" lang="en-US" altLang="ko-KR" sz="2000" b="1" dirty="0">
+                <a:solidFill>
+                  <a:schemeClr val="bg1"/>
+                </a:solidFill>
+                <a:latin typeface="Helvetica" pitchFamily="2" charset="0"/>
+              </a:rPr>
+              <a:t>,</a:t>
+            </a:r>
+            <a:r>
+              <a:rPr kumimoji="1" lang="ko-KR" altLang="en-US" sz="2000" b="1" dirty="0">
+                <a:solidFill>
+                  <a:schemeClr val="bg1"/>
+                </a:solidFill>
+                <a:latin typeface="Helvetica" pitchFamily="2" charset="0"/>
+              </a:rPr>
+              <a:t> 특정 리그</a:t>
+            </a:r>
+            <a:r>
+              <a:rPr kumimoji="1" lang="en-US" altLang="ko-KR" sz="2000" b="1" dirty="0">
+                <a:solidFill>
+                  <a:schemeClr val="bg1"/>
+                </a:solidFill>
+                <a:latin typeface="Helvetica" pitchFamily="2" charset="0"/>
+              </a:rPr>
+              <a:t>, </a:t>
+            </a:r>
+            <a:r>
+              <a:rPr kumimoji="1" lang="ko-KR" altLang="en-US" sz="2000" b="1" dirty="0">
+                <a:solidFill>
+                  <a:schemeClr val="bg1"/>
+                </a:solidFill>
+                <a:latin typeface="Helvetica" pitchFamily="2" charset="0"/>
+              </a:rPr>
+              <a:t>특정 시즌의 매치 데이터 반환</a:t>
+            </a:r>
+          </a:p>
+        </p:txBody>
+      </p:sp>
+    </p:spTree>
+    <p:extLst>
+      <p:ext uri="{BB962C8B-B14F-4D97-AF65-F5344CB8AC3E}">
+        <p14:creationId xmlns:p14="http://schemas.microsoft.com/office/powerpoint/2010/main" val="454195651"/>
+      </p:ext>
+    </p:extLst>
+  </p:cSld>
+  <p:clrMapOvr>
+    <a:masterClrMapping/>
+  </p:clrMapOvr>
+</p:sld>
+</file>
+
+<file path=ppt/slides/slide9.xml><?xml version="1.0" encoding="utf-8"?>
 <p:sld xmlns:a="http://schemas.openxmlformats.org/drawingml/2006/main" xmlns:r="http://schemas.openxmlformats.org/officeDocument/2006/relationships" xmlns:p="http://schemas.openxmlformats.org/presentationml/2006/main">
   <p:cSld>
     <p:spTree>
